--- a/docs/images/UiWorkflow.pptx
+++ b/docs/images/UiWorkflow.pptx
@@ -10,7 +10,7 @@
   <p:sldIdLst>
     <p:sldId id="256" r:id="rId2"/>
   </p:sldIdLst>
-  <p:sldSz cx="12961938" cy="8640763"/>
+  <p:sldSz cx="11339513" cy="8640763"/>
   <p:notesSz cx="6797675" cy="9872663"/>
   <p:defaultTextStyle>
     <a:defPPr>
@@ -110,12 +110,12 @@
   <p:extLst>
     <p:ext uri="{EFAFB233-063F-42B5-8137-9DF3F51BA10A}">
       <p15:sldGuideLst xmlns:p15="http://schemas.microsoft.com/office/powerpoint/2012/main">
-        <p15:guide id="1" orient="horz" pos="2721">
+        <p15:guide id="1" orient="horz" pos="2721" userDrawn="1">
           <p15:clr>
             <a:srgbClr val="A4A3A4"/>
           </p15:clr>
         </p15:guide>
-        <p15:guide id="2" pos="4084">
+        <p15:guide id="2" pos="3572" userDrawn="1">
           <p15:clr>
             <a:srgbClr val="A4A3A4"/>
           </p15:clr>
@@ -208,7 +208,7 @@
           <a:p>
             <a:fld id="{DC50A2AC-D691-437C-A69B-81ECFE08AD4B}" type="datetimeFigureOut">
               <a:rPr lang="en-SG" smtClean="0"/>
-              <a:t>28/1/2017</a:t>
+              <a:t>19/9/2018</a:t>
             </a:fld>
             <a:endParaRPr lang="en-SG"/>
           </a:p>
@@ -226,8 +226,8 @@
         </p:nvSpPr>
         <p:spPr>
           <a:xfrm>
-            <a:off x="622300" y="739775"/>
-            <a:ext cx="5553075" cy="3703638"/>
+            <a:off x="968375" y="739775"/>
+            <a:ext cx="4860925" cy="3703638"/>
           </a:xfrm>
           <a:prstGeom prst="rect">
             <a:avLst/>
@@ -505,8 +505,8 @@
         </p:nvSpPr>
         <p:spPr>
           <a:xfrm>
-            <a:off x="622300" y="739775"/>
-            <a:ext cx="5553075" cy="3703638"/>
+            <a:off x="968375" y="739775"/>
+            <a:ext cx="4860925" cy="3703638"/>
           </a:xfrm>
         </p:spPr>
       </p:sp>
@@ -594,8 +594,8 @@
         </p:nvSpPr>
         <p:spPr>
           <a:xfrm>
-            <a:off x="972146" y="2684239"/>
-            <a:ext cx="11017648" cy="1852164"/>
+            <a:off x="850464" y="2684239"/>
+            <a:ext cx="9638586" cy="1852164"/>
           </a:xfrm>
         </p:spPr>
         <p:txBody>
@@ -622,8 +622,8 @@
         </p:nvSpPr>
         <p:spPr>
           <a:xfrm>
-            <a:off x="1944293" y="4896433"/>
-            <a:ext cx="9073357" cy="2208196"/>
+            <a:off x="1700929" y="4896433"/>
+            <a:ext cx="7937660" cy="2208196"/>
           </a:xfrm>
         </p:spPr>
         <p:txBody>
@@ -747,7 +747,7 @@
             <a:fld id="{1D8BD707-D9CF-40AE-B4C6-C98DA3205C09}" type="datetimeFigureOut">
               <a:rPr lang="en-US" smtClean="0"/>
               <a:pPr/>
-              <a:t>1/28/2017</a:t>
+              <a:t>9/19/2018</a:t>
             </a:fld>
             <a:endParaRPr lang="en-US"/>
           </a:p>
@@ -914,7 +914,7 @@
             <a:fld id="{1D8BD707-D9CF-40AE-B4C6-C98DA3205C09}" type="datetimeFigureOut">
               <a:rPr lang="en-US" smtClean="0"/>
               <a:pPr/>
-              <a:t>1/28/2017</a:t>
+              <a:t>9/19/2018</a:t>
             </a:fld>
             <a:endParaRPr lang="en-US"/>
           </a:p>
@@ -1000,8 +1000,8 @@
         </p:nvSpPr>
         <p:spPr>
           <a:xfrm>
-            <a:off x="9397406" y="346033"/>
-            <a:ext cx="2916436" cy="7372651"/>
+            <a:off x="8221148" y="346034"/>
+            <a:ext cx="2551391" cy="7372651"/>
           </a:xfrm>
         </p:spPr>
         <p:txBody>
@@ -1028,8 +1028,8 @@
         </p:nvSpPr>
         <p:spPr>
           <a:xfrm>
-            <a:off x="648099" y="346033"/>
-            <a:ext cx="8533275" cy="7372651"/>
+            <a:off x="566978" y="346034"/>
+            <a:ext cx="7465179" cy="7372651"/>
           </a:xfrm>
         </p:spPr>
         <p:txBody>
@@ -1091,7 +1091,7 @@
             <a:fld id="{1D8BD707-D9CF-40AE-B4C6-C98DA3205C09}" type="datetimeFigureOut">
               <a:rPr lang="en-US" smtClean="0"/>
               <a:pPr/>
-              <a:t>1/28/2017</a:t>
+              <a:t>9/19/2018</a:t>
             </a:fld>
             <a:endParaRPr lang="en-US"/>
           </a:p>
@@ -1258,7 +1258,7 @@
             <a:fld id="{1D8BD707-D9CF-40AE-B4C6-C98DA3205C09}" type="datetimeFigureOut">
               <a:rPr lang="en-US" smtClean="0"/>
               <a:pPr/>
-              <a:t>1/28/2017</a:t>
+              <a:t>9/19/2018</a:t>
             </a:fld>
             <a:endParaRPr lang="en-US"/>
           </a:p>
@@ -1344,8 +1344,8 @@
         </p:nvSpPr>
         <p:spPr>
           <a:xfrm>
-            <a:off x="1023905" y="5552492"/>
-            <a:ext cx="11017648" cy="1716152"/>
+            <a:off x="895745" y="5552492"/>
+            <a:ext cx="9638586" cy="1716152"/>
           </a:xfrm>
         </p:spPr>
         <p:txBody>
@@ -1376,8 +1376,8 @@
         </p:nvSpPr>
         <p:spPr>
           <a:xfrm>
-            <a:off x="1023905" y="3662326"/>
-            <a:ext cx="11017648" cy="1890167"/>
+            <a:off x="895745" y="3662331"/>
+            <a:ext cx="9638586" cy="1890167"/>
           </a:xfrm>
         </p:spPr>
         <p:txBody>
@@ -1501,7 +1501,7 @@
             <a:fld id="{1D8BD707-D9CF-40AE-B4C6-C98DA3205C09}" type="datetimeFigureOut">
               <a:rPr lang="en-US" smtClean="0"/>
               <a:pPr/>
-              <a:t>1/28/2017</a:t>
+              <a:t>9/19/2018</a:t>
             </a:fld>
             <a:endParaRPr lang="en-US"/>
           </a:p>
@@ -1610,8 +1610,8 @@
         </p:nvSpPr>
         <p:spPr>
           <a:xfrm>
-            <a:off x="648099" y="2016180"/>
-            <a:ext cx="5724856" cy="5702504"/>
+            <a:off x="566978" y="2016180"/>
+            <a:ext cx="5008284" cy="5702504"/>
           </a:xfrm>
         </p:spPr>
         <p:txBody>
@@ -1695,8 +1695,8 @@
         </p:nvSpPr>
         <p:spPr>
           <a:xfrm>
-            <a:off x="6588986" y="2016180"/>
-            <a:ext cx="5724856" cy="5702504"/>
+            <a:off x="5764254" y="2016180"/>
+            <a:ext cx="5008284" cy="5702504"/>
           </a:xfrm>
         </p:spPr>
         <p:txBody>
@@ -1786,7 +1786,7 @@
             <a:fld id="{1D8BD707-D9CF-40AE-B4C6-C98DA3205C09}" type="datetimeFigureOut">
               <a:rPr lang="en-US" smtClean="0"/>
               <a:pPr/>
-              <a:t>1/28/2017</a:t>
+              <a:t>9/19/2018</a:t>
             </a:fld>
             <a:endParaRPr lang="en-US"/>
           </a:p>
@@ -1899,8 +1899,8 @@
         </p:nvSpPr>
         <p:spPr>
           <a:xfrm>
-            <a:off x="648098" y="1934172"/>
-            <a:ext cx="5727108" cy="806070"/>
+            <a:off x="566978" y="1934172"/>
+            <a:ext cx="5010255" cy="806070"/>
           </a:xfrm>
         </p:spPr>
         <p:txBody>
@@ -1964,8 +1964,8 @@
         </p:nvSpPr>
         <p:spPr>
           <a:xfrm>
-            <a:off x="648098" y="2740245"/>
-            <a:ext cx="5727108" cy="4978440"/>
+            <a:off x="566978" y="2740245"/>
+            <a:ext cx="5010255" cy="4978440"/>
           </a:xfrm>
         </p:spPr>
         <p:txBody>
@@ -2049,8 +2049,8 @@
         </p:nvSpPr>
         <p:spPr>
           <a:xfrm>
-            <a:off x="6584487" y="1934172"/>
-            <a:ext cx="5729356" cy="806070"/>
+            <a:off x="5760318" y="1934172"/>
+            <a:ext cx="5012222" cy="806070"/>
           </a:xfrm>
         </p:spPr>
         <p:txBody>
@@ -2114,8 +2114,8 @@
         </p:nvSpPr>
         <p:spPr>
           <a:xfrm>
-            <a:off x="6584487" y="2740245"/>
-            <a:ext cx="5729356" cy="4978440"/>
+            <a:off x="5760318" y="2740245"/>
+            <a:ext cx="5012222" cy="4978440"/>
           </a:xfrm>
         </p:spPr>
         <p:txBody>
@@ -2205,7 +2205,7 @@
             <a:fld id="{1D8BD707-D9CF-40AE-B4C6-C98DA3205C09}" type="datetimeFigureOut">
               <a:rPr lang="en-US" smtClean="0"/>
               <a:pPr/>
-              <a:t>1/28/2017</a:t>
+              <a:t>9/19/2018</a:t>
             </a:fld>
             <a:endParaRPr lang="en-US"/>
           </a:p>
@@ -2320,7 +2320,7 @@
             <a:fld id="{1D8BD707-D9CF-40AE-B4C6-C98DA3205C09}" type="datetimeFigureOut">
               <a:rPr lang="en-US" smtClean="0"/>
               <a:pPr/>
-              <a:t>1/28/2017</a:t>
+              <a:t>9/19/2018</a:t>
             </a:fld>
             <a:endParaRPr lang="en-US"/>
           </a:p>
@@ -2412,7 +2412,7 @@
             <a:fld id="{1D8BD707-D9CF-40AE-B4C6-C98DA3205C09}" type="datetimeFigureOut">
               <a:rPr lang="en-US" smtClean="0"/>
               <a:pPr/>
-              <a:t>1/28/2017</a:t>
+              <a:t>9/19/2018</a:t>
             </a:fld>
             <a:endParaRPr lang="en-US"/>
           </a:p>
@@ -2498,8 +2498,8 @@
         </p:nvSpPr>
         <p:spPr>
           <a:xfrm>
-            <a:off x="648099" y="344032"/>
-            <a:ext cx="4264389" cy="1464130"/>
+            <a:off x="566980" y="344032"/>
+            <a:ext cx="3730622" cy="1464130"/>
           </a:xfrm>
         </p:spPr>
         <p:txBody>
@@ -2530,8 +2530,8 @@
         </p:nvSpPr>
         <p:spPr>
           <a:xfrm>
-            <a:off x="5067760" y="344031"/>
-            <a:ext cx="7246084" cy="7374651"/>
+            <a:off x="4433438" y="344036"/>
+            <a:ext cx="6339104" cy="7374651"/>
           </a:xfrm>
         </p:spPr>
         <p:txBody>
@@ -2615,8 +2615,8 @@
         </p:nvSpPr>
         <p:spPr>
           <a:xfrm>
-            <a:off x="648099" y="1808160"/>
-            <a:ext cx="4264389" cy="5910522"/>
+            <a:off x="566980" y="1808160"/>
+            <a:ext cx="3730622" cy="5910522"/>
           </a:xfrm>
         </p:spPr>
         <p:txBody>
@@ -2686,7 +2686,7 @@
             <a:fld id="{1D8BD707-D9CF-40AE-B4C6-C98DA3205C09}" type="datetimeFigureOut">
               <a:rPr lang="en-US" smtClean="0"/>
               <a:pPr/>
-              <a:t>1/28/2017</a:t>
+              <a:t>9/19/2018</a:t>
             </a:fld>
             <a:endParaRPr lang="en-US"/>
           </a:p>
@@ -2772,8 +2772,8 @@
         </p:nvSpPr>
         <p:spPr>
           <a:xfrm>
-            <a:off x="2540630" y="6048535"/>
-            <a:ext cx="7777163" cy="714064"/>
+            <a:off x="2222625" y="6048535"/>
+            <a:ext cx="6803708" cy="714064"/>
           </a:xfrm>
         </p:spPr>
         <p:txBody>
@@ -2804,8 +2804,8 @@
         </p:nvSpPr>
         <p:spPr>
           <a:xfrm>
-            <a:off x="2540630" y="772071"/>
-            <a:ext cx="7777163" cy="5184458"/>
+            <a:off x="2222625" y="772071"/>
+            <a:ext cx="6803708" cy="5184458"/>
           </a:xfrm>
         </p:spPr>
         <p:txBody>
@@ -2865,8 +2865,8 @@
         </p:nvSpPr>
         <p:spPr>
           <a:xfrm>
-            <a:off x="2540630" y="6762601"/>
-            <a:ext cx="7777163" cy="1014089"/>
+            <a:off x="2222625" y="6762606"/>
+            <a:ext cx="6803708" cy="1014089"/>
           </a:xfrm>
         </p:spPr>
         <p:txBody>
@@ -2936,7 +2936,7 @@
             <a:fld id="{1D8BD707-D9CF-40AE-B4C6-C98DA3205C09}" type="datetimeFigureOut">
               <a:rPr lang="en-US" smtClean="0"/>
               <a:pPr/>
-              <a:t>1/28/2017</a:t>
+              <a:t>9/19/2018</a:t>
             </a:fld>
             <a:endParaRPr lang="en-US"/>
           </a:p>
@@ -3027,8 +3027,8 @@
         </p:nvSpPr>
         <p:spPr>
           <a:xfrm>
-            <a:off x="648099" y="346033"/>
-            <a:ext cx="11665744" cy="1440127"/>
+            <a:off x="566977" y="346038"/>
+            <a:ext cx="10205561" cy="1440127"/>
           </a:xfrm>
           <a:prstGeom prst="rect">
             <a:avLst/>
@@ -3060,8 +3060,8 @@
         </p:nvSpPr>
         <p:spPr>
           <a:xfrm>
-            <a:off x="648099" y="2016180"/>
-            <a:ext cx="11665744" cy="5702504"/>
+            <a:off x="566977" y="2016180"/>
+            <a:ext cx="10205561" cy="5702504"/>
           </a:xfrm>
           <a:prstGeom prst="rect">
             <a:avLst/>
@@ -3122,8 +3122,8 @@
         </p:nvSpPr>
         <p:spPr>
           <a:xfrm>
-            <a:off x="648101" y="8008710"/>
-            <a:ext cx="3024452" cy="460040"/>
+            <a:off x="566980" y="8008710"/>
+            <a:ext cx="2645886" cy="460040"/>
           </a:xfrm>
           <a:prstGeom prst="rect">
             <a:avLst/>
@@ -3146,7 +3146,7 @@
             <a:fld id="{1D8BD707-D9CF-40AE-B4C6-C98DA3205C09}" type="datetimeFigureOut">
               <a:rPr lang="en-US" smtClean="0"/>
               <a:pPr/>
-              <a:t>1/28/2017</a:t>
+              <a:t>9/19/2018</a:t>
             </a:fld>
             <a:endParaRPr lang="en-US"/>
           </a:p>
@@ -3164,8 +3164,8 @@
         </p:nvSpPr>
         <p:spPr>
           <a:xfrm>
-            <a:off x="4428664" y="8008710"/>
-            <a:ext cx="4104614" cy="460040"/>
+            <a:off x="3874336" y="8008710"/>
+            <a:ext cx="3590845" cy="460040"/>
           </a:xfrm>
           <a:prstGeom prst="rect">
             <a:avLst/>
@@ -3201,8 +3201,8 @@
         </p:nvSpPr>
         <p:spPr>
           <a:xfrm>
-            <a:off x="9289393" y="8008710"/>
-            <a:ext cx="3024452" cy="460040"/>
+            <a:off x="8126654" y="8008710"/>
+            <a:ext cx="2645886" cy="460040"/>
           </a:xfrm>
           <a:prstGeom prst="rect">
             <a:avLst/>
@@ -3519,137 +3519,16 @@
       </p:grpSpPr>
       <p:cxnSp>
         <p:nvCxnSpPr>
-          <p:cNvPr id="273" name="Straight Connector 272"/>
-          <p:cNvCxnSpPr/>
+          <p:cNvPr id="191" name="Straight Connector 190"/>
+          <p:cNvCxnSpPr>
+            <a:stCxn id="193" idx="2"/>
+          </p:cNvCxnSpPr>
           <p:nvPr/>
         </p:nvCxnSpPr>
         <p:spPr>
           <a:xfrm>
-            <a:off x="10653988" y="4484507"/>
-            <a:ext cx="0" cy="2482403"/>
-          </a:xfrm>
-          <a:prstGeom prst="line">
-            <a:avLst/>
-          </a:prstGeom>
-          <a:ln w="28575">
-            <a:solidFill>
-              <a:srgbClr val="7030A0"/>
-            </a:solidFill>
-            <a:prstDash val="sysDash"/>
-          </a:ln>
-        </p:spPr>
-        <p:style>
-          <a:lnRef idx="1">
-            <a:schemeClr val="accent1"/>
-          </a:lnRef>
-          <a:fillRef idx="0">
-            <a:schemeClr val="accent1"/>
-          </a:fillRef>
-          <a:effectRef idx="0">
-            <a:schemeClr val="accent1"/>
-          </a:effectRef>
-          <a:fontRef idx="minor">
-            <a:schemeClr val="tx1"/>
-          </a:fontRef>
-        </p:style>
-      </p:cxnSp>
-      <p:cxnSp>
-        <p:nvCxnSpPr>
-          <p:cNvPr id="188" name="Straight Connector 187"/>
-          <p:cNvCxnSpPr/>
-          <p:nvPr/>
-        </p:nvCxnSpPr>
-        <p:spPr>
-          <a:xfrm>
-            <a:off x="9408339" y="684349"/>
-            <a:ext cx="0" cy="7114678"/>
-          </a:xfrm>
-          <a:prstGeom prst="line">
-            <a:avLst/>
-          </a:prstGeom>
-          <a:ln w="28575">
-            <a:solidFill>
-              <a:srgbClr val="7030A0"/>
-            </a:solidFill>
-            <a:prstDash val="sysDash"/>
-          </a:ln>
-        </p:spPr>
-        <p:style>
-          <a:lnRef idx="1">
-            <a:schemeClr val="accent1"/>
-          </a:lnRef>
-          <a:fillRef idx="0">
-            <a:schemeClr val="accent1"/>
-          </a:fillRef>
-          <a:effectRef idx="0">
-            <a:schemeClr val="accent1"/>
-          </a:effectRef>
-          <a:fontRef idx="minor">
-            <a:schemeClr val="tx1"/>
-          </a:fontRef>
-        </p:style>
-      </p:cxnSp>
-      <p:sp>
-        <p:nvSpPr>
-          <p:cNvPr id="190" name="Rounded Rectangle 189"/>
-          <p:cNvSpPr/>
-          <p:nvPr/>
-        </p:nvSpPr>
-        <p:spPr>
-          <a:xfrm>
-            <a:off x="9336921" y="3415784"/>
-            <a:ext cx="190288" cy="1689276"/>
-          </a:xfrm>
-          <a:prstGeom prst="roundRect">
-            <a:avLst/>
-          </a:prstGeom>
-          <a:solidFill>
-            <a:schemeClr val="bg1">
-              <a:alpha val="76000"/>
-            </a:schemeClr>
-          </a:solidFill>
-          <a:ln>
-            <a:noFill/>
-          </a:ln>
-          <a:effectLst>
-            <a:softEdge rad="31750"/>
-          </a:effectLst>
-        </p:spPr>
-        <p:style>
-          <a:lnRef idx="2">
-            <a:schemeClr val="accent1">
-              <a:shade val="50000"/>
-            </a:schemeClr>
-          </a:lnRef>
-          <a:fillRef idx="1">
-            <a:schemeClr val="accent1"/>
-          </a:fillRef>
-          <a:effectRef idx="0">
-            <a:schemeClr val="accent1"/>
-          </a:effectRef>
-          <a:fontRef idx="minor">
-            <a:schemeClr val="lt1"/>
-          </a:fontRef>
-        </p:style>
-        <p:txBody>
-          <a:bodyPr rtlCol="0" anchor="ctr"/>
-          <a:lstStyle/>
-          <a:p>
-            <a:pPr algn="ctr"/>
-            <a:endParaRPr lang="en-SG"/>
-          </a:p>
-        </p:txBody>
-      </p:sp>
-      <p:cxnSp>
-        <p:nvCxnSpPr>
-          <p:cNvPr id="191" name="Straight Connector 190"/>
-          <p:cNvCxnSpPr/>
-          <p:nvPr/>
-        </p:nvCxnSpPr>
-        <p:spPr>
-          <a:xfrm>
-            <a:off x="680022" y="684349"/>
-            <a:ext cx="0" cy="7674632"/>
+            <a:off x="890210" y="764247"/>
+            <a:ext cx="0" cy="7594739"/>
           </a:xfrm>
           <a:prstGeom prst="line">
             <a:avLst/>
@@ -3686,8 +3565,8 @@
         </p:nvCxnSpPr>
         <p:spPr>
           <a:xfrm>
-            <a:off x="2034381" y="704086"/>
-            <a:ext cx="0" cy="4826154"/>
+            <a:off x="2067783" y="704086"/>
+            <a:ext cx="0" cy="7632000"/>
           </a:xfrm>
           <a:prstGeom prst="line">
             <a:avLst/>
@@ -3724,8 +3603,8 @@
         </p:nvSpPr>
         <p:spPr>
           <a:xfrm>
-            <a:off x="129381" y="313378"/>
-            <a:ext cx="1082460" cy="458690"/>
+            <a:off x="348980" y="351256"/>
+            <a:ext cx="1082460" cy="412986"/>
           </a:xfrm>
           <a:prstGeom prst="rect">
             <a:avLst/>
@@ -3765,7 +3644,7 @@
           <a:p>
             <a:pPr algn="ctr"/>
             <a:r>
-              <a:rPr lang="en-US" sz="1400" b="1" dirty="0" smtClean="0"/>
+              <a:rPr lang="en-US" sz="1400" b="1" dirty="0"/>
               <a:t>:Browser</a:t>
             </a:r>
             <a:endParaRPr lang="en-SG" sz="1400" b="1" dirty="0"/>
@@ -3780,7 +3659,7 @@
         </p:nvSpPr>
         <p:spPr>
           <a:xfrm>
-            <a:off x="993230" y="7394935"/>
+            <a:off x="1137968" y="1446791"/>
             <a:ext cx="621350" cy="587590"/>
           </a:xfrm>
           <a:prstGeom prst="foldedCorner">
@@ -3819,7 +3698,7 @@
           <a:p>
             <a:pPr algn="ctr"/>
             <a:r>
-              <a:rPr lang="en-US" sz="1600" b="1" dirty="0" smtClean="0">
+              <a:rPr lang="en-US" sz="1600" b="1" dirty="0">
                 <a:solidFill>
                   <a:schemeClr val="bg1">
                     <a:lumMod val="50000"/>
@@ -3846,7 +3725,7 @@
         </p:nvSpPr>
         <p:spPr>
           <a:xfrm>
-            <a:off x="11891169" y="114387"/>
+            <a:off x="10165556" y="114387"/>
             <a:ext cx="914400" cy="8244594"/>
           </a:xfrm>
           <a:prstGeom prst="roundRect">
@@ -3889,7 +3768,7 @@
           <a:p>
             <a:pPr algn="r"/>
             <a:r>
-              <a:rPr lang="en-US" sz="1600" b="1" dirty="0" smtClean="0"/>
+              <a:rPr lang="en-US" sz="1600" b="1" dirty="0"/>
               <a:t>Logic</a:t>
             </a:r>
             <a:endParaRPr lang="en-SG" sz="1600" b="1" dirty="0"/>
@@ -3904,7 +3783,7 @@
         </p:nvSpPr>
         <p:spPr>
           <a:xfrm>
-            <a:off x="12348369" y="-36513"/>
+            <a:off x="10622756" y="-36513"/>
             <a:ext cx="609600" cy="8547894"/>
           </a:xfrm>
           <a:prstGeom prst="rect">
@@ -3984,7 +3863,7 @@
         </p:blipFill>
         <p:spPr bwMode="auto">
           <a:xfrm>
-            <a:off x="1561766" y="82224"/>
+            <a:off x="1595173" y="82229"/>
             <a:ext cx="853615" cy="853615"/>
           </a:xfrm>
           <a:prstGeom prst="rect">
@@ -4003,8 +3882,8 @@
         </p:nvCxnSpPr>
         <p:spPr>
           <a:xfrm>
-            <a:off x="3058478" y="772068"/>
-            <a:ext cx="0" cy="1041651"/>
+            <a:off x="3355145" y="2596760"/>
+            <a:ext cx="0" cy="1008000"/>
           </a:xfrm>
           <a:prstGeom prst="line">
             <a:avLst/>
@@ -4012,7 +3891,7 @@
           <a:ln w="28575">
             <a:solidFill>
               <a:schemeClr val="accent6">
-                <a:lumMod val="75000"/>
+                <a:lumMod val="50000"/>
               </a:schemeClr>
             </a:solidFill>
             <a:prstDash val="sysDash"/>
@@ -4036,20 +3915,24 @@
       <p:cxnSp>
         <p:nvCxnSpPr>
           <p:cNvPr id="199" name="Straight Connector 198"/>
-          <p:cNvCxnSpPr/>
+          <p:cNvCxnSpPr>
+            <a:stCxn id="244" idx="2"/>
+          </p:cNvCxnSpPr>
           <p:nvPr/>
         </p:nvCxnSpPr>
         <p:spPr>
           <a:xfrm>
-            <a:off x="6641629" y="2351665"/>
-            <a:ext cx="0" cy="3900270"/>
+            <a:off x="7577768" y="4460935"/>
+            <a:ext cx="0" cy="2556000"/>
           </a:xfrm>
           <a:prstGeom prst="line">
             <a:avLst/>
           </a:prstGeom>
           <a:ln w="28575">
             <a:solidFill>
-              <a:srgbClr val="C00000"/>
+              <a:schemeClr val="accent2">
+                <a:lumMod val="75000"/>
+              </a:schemeClr>
             </a:solidFill>
             <a:prstDash val="sysDash"/>
           </a:ln>
@@ -4072,20 +3955,24 @@
       <p:cxnSp>
         <p:nvCxnSpPr>
           <p:cNvPr id="200" name="Straight Connector 199"/>
-          <p:cNvCxnSpPr/>
+          <p:cNvCxnSpPr>
+            <a:stCxn id="202" idx="2"/>
+          </p:cNvCxnSpPr>
           <p:nvPr/>
         </p:nvCxnSpPr>
         <p:spPr>
           <a:xfrm>
-            <a:off x="8408030" y="5436414"/>
-            <a:ext cx="0" cy="1958521"/>
+            <a:off x="8948744" y="6732872"/>
+            <a:ext cx="0" cy="1008000"/>
           </a:xfrm>
           <a:prstGeom prst="line">
             <a:avLst/>
           </a:prstGeom>
           <a:ln w="28575">
             <a:solidFill>
-              <a:srgbClr val="00B050"/>
+              <a:schemeClr val="accent3">
+                <a:lumMod val="50000"/>
+              </a:schemeClr>
             </a:solidFill>
             <a:prstDash val="sysDash"/>
           </a:ln>
@@ -4107,66 +3994,19 @@
       </p:cxnSp>
       <p:sp>
         <p:nvSpPr>
-          <p:cNvPr id="201" name="Rectangle 200"/>
-          <p:cNvSpPr/>
-          <p:nvPr/>
-        </p:nvSpPr>
-        <p:spPr>
-          <a:xfrm>
-            <a:off x="8828453" y="374320"/>
-            <a:ext cx="1134270" cy="397748"/>
-          </a:xfrm>
-          <a:prstGeom prst="rect">
-            <a:avLst/>
-          </a:prstGeom>
-        </p:spPr>
-        <p:style>
-          <a:lnRef idx="2">
-            <a:schemeClr val="accent4">
-              <a:shade val="50000"/>
-            </a:schemeClr>
-          </a:lnRef>
-          <a:fillRef idx="1">
-            <a:schemeClr val="accent4"/>
-          </a:fillRef>
-          <a:effectRef idx="0">
-            <a:schemeClr val="accent4"/>
-          </a:effectRef>
-          <a:fontRef idx="minor">
-            <a:schemeClr val="lt1"/>
-          </a:fontRef>
-        </p:style>
-        <p:txBody>
-          <a:bodyPr rtlCol="0" anchor="ctr"/>
-          <a:lstStyle/>
-          <a:p>
-            <a:pPr algn="ctr"/>
-            <a:r>
-              <a:rPr lang="en-US" sz="1400" b="1" dirty="0" smtClean="0"/>
-              <a:t>:_xyz_.</a:t>
-            </a:r>
-            <a:r>
-              <a:rPr lang="en-US" sz="1400" b="1" dirty="0" err="1" smtClean="0"/>
-              <a:t>jsp</a:t>
-            </a:r>
-            <a:endParaRPr lang="en-SG" sz="1400" b="1" dirty="0"/>
-          </a:p>
-        </p:txBody>
-      </p:sp>
-      <p:sp>
-        <p:nvSpPr>
           <p:cNvPr id="203" name="Rectangle 202"/>
           <p:cNvSpPr/>
           <p:nvPr/>
         </p:nvSpPr>
         <p:spPr>
           <a:xfrm>
-            <a:off x="3571875" y="381360"/>
-            <a:ext cx="1143000" cy="390708"/>
+            <a:off x="4183939" y="3253581"/>
+            <a:ext cx="1143000" cy="414000"/>
           </a:xfrm>
           <a:prstGeom prst="rect">
             <a:avLst/>
           </a:prstGeom>
+          <a:ln/>
         </p:spPr>
         <p:style>
           <a:lnRef idx="2">
@@ -4194,14 +4034,18 @@
               <a:t>:</a:t>
             </a:r>
             <a:r>
-              <a:rPr lang="en-US" sz="1400" b="1" dirty="0" smtClean="0"/>
-              <a:t>Controller</a:t>
+              <a:rPr lang="en-US" sz="1400" b="1" dirty="0" err="1"/>
+              <a:t>WebApi</a:t>
+            </a:r>
+            <a:r>
+              <a:rPr lang="en-US" sz="1400" b="1" dirty="0"/>
+              <a:t/>
             </a:r>
             <a:br>
-              <a:rPr lang="en-US" sz="1400" b="1" dirty="0" smtClean="0"/>
+              <a:rPr lang="en-US" sz="1400" b="1" dirty="0"/>
             </a:br>
             <a:r>
-              <a:rPr lang="en-US" sz="1400" b="1" dirty="0" smtClean="0"/>
+              <a:rPr lang="en-US" sz="1400" b="1" dirty="0"/>
               <a:t>Servlet</a:t>
             </a:r>
             <a:endParaRPr lang="en-SG" sz="1400" b="1" dirty="0"/>
@@ -4216,12 +4060,13 @@
         </p:nvSpPr>
         <p:spPr>
           <a:xfrm>
-            <a:off x="2643981" y="362117"/>
-            <a:ext cx="828994" cy="409951"/>
+            <a:off x="2779145" y="2182760"/>
+            <a:ext cx="1152000" cy="414000"/>
           </a:xfrm>
           <a:prstGeom prst="rect">
             <a:avLst/>
           </a:prstGeom>
+          <a:ln/>
         </p:spPr>
         <p:style>
           <a:lnRef idx="2">
@@ -4245,7 +4090,7 @@
           <a:p>
             <a:pPr algn="ctr"/>
             <a:r>
-              <a:rPr lang="en-US" sz="1400" b="1" dirty="0" smtClean="0"/>
+              <a:rPr lang="en-US" sz="1400" b="1" dirty="0"/>
               <a:t>:*Filter</a:t>
             </a:r>
             <a:endParaRPr lang="en-SG" sz="1400" b="1" dirty="0"/>
@@ -4260,8 +4105,8 @@
         </p:nvCxnSpPr>
         <p:spPr>
           <a:xfrm>
-            <a:off x="680022" y="1280319"/>
-            <a:ext cx="1247766" cy="0"/>
+            <a:off x="899621" y="1280319"/>
+            <a:ext cx="1080000" cy="0"/>
           </a:xfrm>
           <a:prstGeom prst="straightConnector1">
             <a:avLst/>
@@ -4299,8 +4144,8 @@
         </p:nvCxnSpPr>
         <p:spPr>
           <a:xfrm>
-            <a:off x="2015903" y="1432719"/>
-            <a:ext cx="977915" cy="0"/>
+            <a:off x="2176639" y="3039069"/>
+            <a:ext cx="1080000" cy="0"/>
           </a:xfrm>
           <a:prstGeom prst="straightConnector1">
             <a:avLst/>
@@ -4337,9 +4182,9 @@
           <p:nvPr/>
         </p:nvCxnSpPr>
         <p:spPr>
-          <a:xfrm flipV="1">
-            <a:off x="2015903" y="1889920"/>
-            <a:ext cx="2096275" cy="1"/>
+          <a:xfrm>
+            <a:off x="2170283" y="4048581"/>
+            <a:ext cx="2472520" cy="0"/>
           </a:xfrm>
           <a:prstGeom prst="straightConnector1">
             <a:avLst/>
@@ -4377,15 +4222,17 @@
         </p:nvCxnSpPr>
         <p:spPr>
           <a:xfrm>
-            <a:off x="6645850" y="3697324"/>
-            <a:ext cx="5245319" cy="0"/>
+            <a:off x="7646768" y="5862085"/>
+            <a:ext cx="2520000" cy="0"/>
           </a:xfrm>
           <a:prstGeom prst="straightConnector1">
             <a:avLst/>
           </a:prstGeom>
           <a:ln w="38100">
             <a:solidFill>
-              <a:srgbClr val="C00000"/>
+              <a:schemeClr val="accent2">
+                <a:lumMod val="75000"/>
+              </a:schemeClr>
             </a:solidFill>
             <a:prstDash val="solid"/>
             <a:tailEnd type="arrow"/>
@@ -4406,83 +4253,6 @@
           </a:fontRef>
         </p:style>
       </p:cxnSp>
-      <p:cxnSp>
-        <p:nvCxnSpPr>
-          <p:cNvPr id="209" name="Straight Arrow Connector 208"/>
-          <p:cNvCxnSpPr>
-            <a:endCxn id="202" idx="1"/>
-          </p:cNvCxnSpPr>
-          <p:nvPr/>
-        </p:nvCxnSpPr>
-        <p:spPr>
-          <a:xfrm>
-            <a:off x="6603740" y="5591984"/>
-            <a:ext cx="1172629" cy="0"/>
-          </a:xfrm>
-          <a:prstGeom prst="straightConnector1">
-            <a:avLst/>
-          </a:prstGeom>
-          <a:ln w="38100">
-            <a:solidFill>
-              <a:srgbClr val="C00000"/>
-            </a:solidFill>
-            <a:prstDash val="solid"/>
-            <a:tailEnd type="arrow"/>
-          </a:ln>
-        </p:spPr>
-        <p:style>
-          <a:lnRef idx="1">
-            <a:schemeClr val="accent1"/>
-          </a:lnRef>
-          <a:fillRef idx="0">
-            <a:schemeClr val="accent1"/>
-          </a:fillRef>
-          <a:effectRef idx="0">
-            <a:schemeClr val="accent1"/>
-          </a:effectRef>
-          <a:fontRef idx="minor">
-            <a:schemeClr val="tx1"/>
-          </a:fontRef>
-        </p:style>
-      </p:cxnSp>
-      <p:cxnSp>
-        <p:nvCxnSpPr>
-          <p:cNvPr id="214" name="Straight Arrow Connector 213"/>
-          <p:cNvCxnSpPr/>
-          <p:nvPr/>
-        </p:nvCxnSpPr>
-        <p:spPr>
-          <a:xfrm>
-            <a:off x="2110581" y="7775935"/>
-            <a:ext cx="7157928" cy="0"/>
-          </a:xfrm>
-          <a:prstGeom prst="straightConnector1">
-            <a:avLst/>
-          </a:prstGeom>
-          <a:ln w="38100">
-            <a:solidFill>
-              <a:srgbClr val="7030A0"/>
-            </a:solidFill>
-            <a:prstDash val="sysDot"/>
-            <a:headEnd type="arrow" w="med" len="med"/>
-            <a:tailEnd type="none" w="med" len="med"/>
-          </a:ln>
-        </p:spPr>
-        <p:style>
-          <a:lnRef idx="1">
-            <a:schemeClr val="accent1"/>
-          </a:lnRef>
-          <a:fillRef idx="0">
-            <a:schemeClr val="accent1"/>
-          </a:fillRef>
-          <a:effectRef idx="0">
-            <a:schemeClr val="accent1"/>
-          </a:effectRef>
-          <a:fontRef idx="minor">
-            <a:schemeClr val="tx1"/>
-          </a:fontRef>
-        </p:style>
-      </p:cxnSp>
       <p:sp>
         <p:nvSpPr>
           <p:cNvPr id="215" name="Rectangle 214"/>
@@ -4491,31 +4261,28 @@
         </p:nvSpPr>
         <p:spPr>
           <a:xfrm>
-            <a:off x="2993818" y="1417653"/>
-            <a:ext cx="142836" cy="274233"/>
+            <a:off x="3256639" y="3008024"/>
+            <a:ext cx="180000" cy="432000"/>
           </a:xfrm>
           <a:prstGeom prst="rect">
             <a:avLst/>
           </a:prstGeom>
-          <a:solidFill>
-            <a:schemeClr val="accent6">
-              <a:lumMod val="40000"/>
-              <a:lumOff val="60000"/>
-            </a:schemeClr>
-          </a:solidFill>
+          <a:ln/>
         </p:spPr>
         <p:style>
           <a:lnRef idx="2">
-            <a:schemeClr val="accent6"/>
+            <a:schemeClr val="accent6">
+              <a:shade val="50000"/>
+            </a:schemeClr>
           </a:lnRef>
           <a:fillRef idx="1">
-            <a:schemeClr val="lt1"/>
+            <a:schemeClr val="accent6"/>
           </a:fillRef>
           <a:effectRef idx="0">
             <a:schemeClr val="accent6"/>
           </a:effectRef>
           <a:fontRef idx="minor">
-            <a:schemeClr val="dk1"/>
+            <a:schemeClr val="lt1"/>
           </a:fontRef>
         </p:style>
         <p:txBody>
@@ -4535,8 +4302,8 @@
         </p:nvCxnSpPr>
         <p:spPr>
           <a:xfrm>
-            <a:off x="2110581" y="1661319"/>
-            <a:ext cx="883237" cy="0"/>
+            <a:off x="2159148" y="3431470"/>
+            <a:ext cx="1080000" cy="0"/>
           </a:xfrm>
           <a:prstGeom prst="straightConnector1">
             <a:avLst/>
@@ -4544,7 +4311,7 @@
           <a:ln w="38100">
             <a:solidFill>
               <a:schemeClr val="accent6">
-                <a:lumMod val="75000"/>
+                <a:lumMod val="50000"/>
               </a:schemeClr>
             </a:solidFill>
             <a:prstDash val="sysDot"/>
@@ -4575,8 +4342,8 @@
         </p:nvCxnSpPr>
         <p:spPr>
           <a:xfrm>
-            <a:off x="680022" y="8130381"/>
-            <a:ext cx="1247766" cy="0"/>
+            <a:off x="899621" y="2186781"/>
+            <a:ext cx="1080000" cy="0"/>
           </a:xfrm>
           <a:prstGeom prst="straightConnector1">
             <a:avLst/>
@@ -4615,8 +4382,8 @@
         </p:nvSpPr>
         <p:spPr>
           <a:xfrm>
-            <a:off x="1962963" y="1280318"/>
-            <a:ext cx="152714" cy="6850063"/>
+            <a:off x="1979150" y="1263250"/>
+            <a:ext cx="180000" cy="936000"/>
           </a:xfrm>
           <a:prstGeom prst="rect">
             <a:avLst/>
@@ -4655,11 +4422,7 @@
           <a:lstStyle/>
           <a:p>
             <a:pPr algn="ctr"/>
-            <a:endParaRPr lang="en-SG" sz="1600" b="1">
-              <a:solidFill>
-                <a:schemeClr val="lt1"/>
-              </a:solidFill>
-            </a:endParaRPr>
+            <a:endParaRPr lang="en-SG" sz="1600" b="1"/>
           </a:p>
         </p:txBody>
       </p:sp>
@@ -4671,8 +4434,8 @@
         </p:nvCxnSpPr>
         <p:spPr>
           <a:xfrm>
-            <a:off x="6708826" y="3867309"/>
-            <a:ext cx="5182343" cy="0"/>
+            <a:off x="7646768" y="6149181"/>
+            <a:ext cx="2520000" cy="0"/>
           </a:xfrm>
           <a:prstGeom prst="straightConnector1">
             <a:avLst/>
@@ -4711,36 +4474,28 @@
         </p:nvSpPr>
         <p:spPr>
           <a:xfrm>
-            <a:off x="6576816" y="2551939"/>
-            <a:ext cx="132009" cy="3521042"/>
+            <a:off x="7487680" y="4927391"/>
+            <a:ext cx="180000" cy="324000"/>
           </a:xfrm>
           <a:prstGeom prst="rect">
             <a:avLst/>
           </a:prstGeom>
-          <a:solidFill>
-            <a:schemeClr val="accent2">
-              <a:lumMod val="40000"/>
-              <a:lumOff val="60000"/>
-            </a:schemeClr>
-          </a:solidFill>
-          <a:ln>
-            <a:solidFill>
-              <a:srgbClr val="C00000"/>
-            </a:solidFill>
-          </a:ln>
+          <a:ln/>
         </p:spPr>
         <p:style>
           <a:lnRef idx="2">
-            <a:schemeClr val="accent6"/>
+            <a:schemeClr val="accent2">
+              <a:shade val="50000"/>
+            </a:schemeClr>
           </a:lnRef>
           <a:fillRef idx="1">
-            <a:schemeClr val="lt1"/>
+            <a:schemeClr val="accent2"/>
           </a:fillRef>
           <a:effectRef idx="0">
-            <a:schemeClr val="accent6"/>
+            <a:schemeClr val="accent2"/>
           </a:effectRef>
           <a:fontRef idx="minor">
-            <a:schemeClr val="dk1"/>
+            <a:schemeClr val="lt1"/>
           </a:fontRef>
         </p:style>
         <p:txBody>
@@ -4760,7 +4515,7 @@
         </p:nvSpPr>
         <p:spPr>
           <a:xfrm>
-            <a:off x="2227262" y="1091350"/>
+            <a:off x="2362431" y="2669470"/>
             <a:ext cx="730837" cy="338554"/>
           </a:xfrm>
           <a:prstGeom prst="rect">
@@ -4813,8 +4568,8 @@
         </p:nvSpPr>
         <p:spPr>
           <a:xfrm>
-            <a:off x="6988004" y="3246507"/>
-            <a:ext cx="3149822" cy="338554"/>
+            <a:off x="7674040" y="5499391"/>
+            <a:ext cx="2467002" cy="344990"/>
           </a:xfrm>
           <a:prstGeom prst="rect">
             <a:avLst/>
@@ -4840,9 +4595,10 @@
             </a:lvl1pPr>
           </a:lstStyle>
           <a:p>
+            <a:pPr algn="ctr"/>
             <a:r>
               <a:rPr lang="en-US" dirty="0"/>
-              <a:t>perform action/ get data</a:t>
+              <a:t>perform action/get data</a:t>
             </a:r>
             <a:endParaRPr lang="en-SG" dirty="0"/>
           </a:p>
@@ -4856,7 +4612,7 @@
         </p:nvSpPr>
         <p:spPr>
           <a:xfrm>
-            <a:off x="2636073" y="1889919"/>
+            <a:off x="2938082" y="3688113"/>
             <a:ext cx="903588" cy="338554"/>
           </a:xfrm>
           <a:prstGeom prst="rect">
@@ -4894,21 +4650,23 @@
       <p:cxnSp>
         <p:nvCxnSpPr>
           <p:cNvPr id="240" name="Straight Connector 239"/>
-          <p:cNvCxnSpPr/>
+          <p:cNvCxnSpPr>
+            <a:stCxn id="203" idx="2"/>
+          </p:cNvCxnSpPr>
           <p:nvPr/>
         </p:nvCxnSpPr>
         <p:spPr>
           <a:xfrm>
-            <a:off x="4181475" y="801841"/>
-            <a:ext cx="0" cy="6318957"/>
+            <a:off x="4755439" y="3667581"/>
+            <a:ext cx="0" cy="4284000"/>
           </a:xfrm>
           <a:prstGeom prst="line">
             <a:avLst/>
           </a:prstGeom>
           <a:ln w="28575">
             <a:solidFill>
-              <a:schemeClr val="tx2">
-                <a:lumMod val="75000"/>
+              <a:schemeClr val="accent1">
+                <a:lumMod val="50000"/>
               </a:schemeClr>
             </a:solidFill>
             <a:prstDash val="sysDash"/>
@@ -4937,12 +4695,13 @@
         </p:nvSpPr>
         <p:spPr>
           <a:xfrm>
-            <a:off x="4830763" y="373534"/>
-            <a:ext cx="874712" cy="390708"/>
+            <a:off x="5589932" y="3253581"/>
+            <a:ext cx="1144800" cy="414000"/>
           </a:xfrm>
           <a:prstGeom prst="rect">
             <a:avLst/>
           </a:prstGeom>
+          <a:ln/>
         </p:spPr>
         <p:style>
           <a:lnRef idx="2">
@@ -4984,21 +4743,23 @@
         <p:nvCxnSpPr>
           <p:cNvPr id="243" name="Straight Connector 242"/>
           <p:cNvCxnSpPr>
-            <a:endCxn id="251" idx="2"/>
+            <a:stCxn id="242" idx="2"/>
           </p:cNvCxnSpPr>
           <p:nvPr/>
         </p:nvCxnSpPr>
         <p:spPr>
-          <a:xfrm>
-            <a:off x="5387694" y="764242"/>
-            <a:ext cx="0" cy="1629704"/>
+          <a:xfrm flipH="1">
+            <a:off x="6160774" y="3667581"/>
+            <a:ext cx="1563" cy="900000"/>
           </a:xfrm>
           <a:prstGeom prst="line">
             <a:avLst/>
           </a:prstGeom>
           <a:ln w="28575">
             <a:solidFill>
-              <a:srgbClr val="C00000"/>
+              <a:schemeClr val="accent2">
+                <a:lumMod val="75000"/>
+              </a:schemeClr>
             </a:solidFill>
             <a:prstDash val="sysDash"/>
           </a:ln>
@@ -5026,12 +4787,13 @@
         </p:nvSpPr>
         <p:spPr>
           <a:xfrm>
-            <a:off x="6309517" y="2046835"/>
-            <a:ext cx="1166442" cy="304830"/>
+            <a:off x="7005368" y="4048581"/>
+            <a:ext cx="1144800" cy="412354"/>
           </a:xfrm>
           <a:prstGeom prst="rect">
             <a:avLst/>
           </a:prstGeom>
+          <a:ln/>
         </p:spPr>
         <p:style>
           <a:lnRef idx="2">
@@ -5055,12 +4817,8 @@
           <a:p>
             <a:pPr algn="ctr"/>
             <a:r>
-              <a:rPr lang="en-US" sz="1400" b="1" dirty="0" smtClean="0"/>
-              <a:t>:_</a:t>
-            </a:r>
-            <a:r>
-              <a:rPr lang="en-US" sz="1400" b="1" dirty="0" err="1" smtClean="0"/>
-              <a:t>abc_Action</a:t>
+              <a:rPr lang="en-US" sz="1400" b="1" dirty="0"/>
+              <a:t>:*Action</a:t>
             </a:r>
             <a:endParaRPr lang="en-SG" sz="1400" b="1" dirty="0"/>
           </a:p>
@@ -5070,95 +4828,24 @@
         <p:nvCxnSpPr>
           <p:cNvPr id="245" name="Straight Arrow Connector 244"/>
           <p:cNvCxnSpPr>
+            <a:stCxn id="251" idx="3"/>
             <a:endCxn id="244" idx="1"/>
           </p:cNvCxnSpPr>
           <p:nvPr/>
         </p:nvCxnSpPr>
         <p:spPr>
-          <a:xfrm>
-            <a:off x="5490369" y="2199250"/>
-            <a:ext cx="819148" cy="0"/>
+          <a:xfrm flipV="1">
+            <a:off x="6249372" y="4254758"/>
+            <a:ext cx="755996" cy="4284"/>
           </a:xfrm>
           <a:prstGeom prst="straightConnector1">
             <a:avLst/>
           </a:prstGeom>
           <a:ln w="38100">
             <a:solidFill>
-              <a:srgbClr val="C00000"/>
-            </a:solidFill>
-            <a:prstDash val="solid"/>
-            <a:tailEnd type="arrow"/>
-          </a:ln>
-        </p:spPr>
-        <p:style>
-          <a:lnRef idx="1">
-            <a:schemeClr val="accent1"/>
-          </a:lnRef>
-          <a:fillRef idx="0">
-            <a:schemeClr val="accent1"/>
-          </a:fillRef>
-          <a:effectRef idx="0">
-            <a:schemeClr val="accent1"/>
-          </a:effectRef>
-          <a:fontRef idx="minor">
-            <a:schemeClr val="tx1"/>
-          </a:fontRef>
-        </p:style>
-      </p:cxnSp>
-      <p:cxnSp>
-        <p:nvCxnSpPr>
-          <p:cNvPr id="246" name="Straight Arrow Connector 245"/>
-          <p:cNvCxnSpPr/>
-          <p:nvPr/>
-        </p:nvCxnSpPr>
-        <p:spPr>
-          <a:xfrm>
-            <a:off x="4237840" y="2150090"/>
-            <a:ext cx="1085042" cy="0"/>
-          </a:xfrm>
-          <a:prstGeom prst="straightConnector1">
-            <a:avLst/>
-          </a:prstGeom>
-          <a:ln w="38100">
-            <a:solidFill>
-              <a:schemeClr val="tx2"/>
-            </a:solidFill>
-            <a:prstDash val="solid"/>
-            <a:tailEnd type="arrow"/>
-          </a:ln>
-        </p:spPr>
-        <p:style>
-          <a:lnRef idx="1">
-            <a:schemeClr val="accent1"/>
-          </a:lnRef>
-          <a:fillRef idx="0">
-            <a:schemeClr val="accent1"/>
-          </a:fillRef>
-          <a:effectRef idx="0">
-            <a:schemeClr val="accent1"/>
-          </a:effectRef>
-          <a:fontRef idx="minor">
-            <a:schemeClr val="tx1"/>
-          </a:fontRef>
-        </p:style>
-      </p:cxnSp>
-      <p:cxnSp>
-        <p:nvCxnSpPr>
-          <p:cNvPr id="249" name="Straight Arrow Connector 248"/>
-          <p:cNvCxnSpPr/>
-          <p:nvPr/>
-        </p:nvCxnSpPr>
-        <p:spPr>
-          <a:xfrm>
-            <a:off x="4259796" y="2580354"/>
-            <a:ext cx="2317020" cy="0"/>
-          </a:xfrm>
-          <a:prstGeom prst="straightConnector1">
-            <a:avLst/>
-          </a:prstGeom>
-          <a:ln w="38100">
-            <a:solidFill>
-              <a:schemeClr val="tx2"/>
+              <a:schemeClr val="accent2">
+                <a:lumMod val="75000"/>
+              </a:schemeClr>
             </a:solidFill>
             <a:prstDash val="solid"/>
             <a:tailEnd type="arrow"/>
@@ -5187,15 +4874,17 @@
         </p:nvCxnSpPr>
         <p:spPr>
           <a:xfrm>
-            <a:off x="4259796" y="2393946"/>
-            <a:ext cx="1127898" cy="0"/>
+            <a:off x="4848057" y="4438703"/>
+            <a:ext cx="1188000" cy="0"/>
           </a:xfrm>
           <a:prstGeom prst="straightConnector1">
             <a:avLst/>
           </a:prstGeom>
           <a:ln w="38100">
             <a:solidFill>
-              <a:srgbClr val="C00000"/>
+              <a:schemeClr val="accent2">
+                <a:lumMod val="75000"/>
+              </a:schemeClr>
             </a:solidFill>
             <a:prstDash val="sysDot"/>
             <a:headEnd type="arrow" w="med" len="med"/>
@@ -5225,36 +4914,28 @@
         </p:nvSpPr>
         <p:spPr>
           <a:xfrm>
-            <a:off x="5322882" y="2127691"/>
-            <a:ext cx="129624" cy="266255"/>
+            <a:off x="6069372" y="4079042"/>
+            <a:ext cx="180000" cy="360000"/>
           </a:xfrm>
           <a:prstGeom prst="rect">
             <a:avLst/>
           </a:prstGeom>
-          <a:solidFill>
-            <a:schemeClr val="accent2">
-              <a:lumMod val="40000"/>
-              <a:lumOff val="60000"/>
-            </a:schemeClr>
-          </a:solidFill>
-          <a:ln>
-            <a:solidFill>
-              <a:srgbClr val="C00000"/>
-            </a:solidFill>
-          </a:ln>
+          <a:ln/>
         </p:spPr>
         <p:style>
           <a:lnRef idx="2">
-            <a:schemeClr val="accent6"/>
+            <a:schemeClr val="accent2">
+              <a:shade val="50000"/>
+            </a:schemeClr>
           </a:lnRef>
           <a:fillRef idx="1">
-            <a:schemeClr val="lt1"/>
+            <a:schemeClr val="accent2"/>
           </a:fillRef>
           <a:effectRef idx="0">
-            <a:schemeClr val="accent6"/>
+            <a:schemeClr val="accent2"/>
           </a:effectRef>
           <a:fontRef idx="minor">
-            <a:schemeClr val="dk1"/>
+            <a:schemeClr val="lt1"/>
           </a:fontRef>
         </p:style>
         <p:txBody>
@@ -5274,8 +4955,8 @@
         </p:nvSpPr>
         <p:spPr>
           <a:xfrm>
-            <a:off x="4317150" y="1814096"/>
-            <a:ext cx="1135356" cy="338554"/>
+            <a:off x="4866136" y="3727867"/>
+            <a:ext cx="1232732" cy="338554"/>
           </a:xfrm>
           <a:prstGeom prst="rect">
             <a:avLst/>
@@ -5288,88 +4969,56 @@
           </a:bodyPr>
           <a:lstStyle/>
           <a:p>
-            <a:r>
-              <a:rPr lang="en-US" sz="1600" b="1" dirty="0" err="1" smtClean="0">
+            <a:pPr algn="ctr"/>
+            <a:r>
+              <a:rPr lang="en-US" sz="1600" b="1" dirty="0" err="1">
                 <a:solidFill>
-                  <a:srgbClr val="0070C0"/>
+                  <a:schemeClr val="accent1">
+                    <a:lumMod val="50000"/>
+                  </a:schemeClr>
                 </a:solidFill>
               </a:rPr>
               <a:t>getAction</a:t>
             </a:r>
             <a:r>
-              <a:rPr lang="en-US" sz="1600" b="1" dirty="0" smtClean="0">
+              <a:rPr lang="en-US" sz="1600" b="1" dirty="0">
                 <a:solidFill>
-                  <a:srgbClr val="0070C0"/>
+                  <a:schemeClr val="accent1">
+                    <a:lumMod val="50000"/>
+                  </a:schemeClr>
                 </a:solidFill>
               </a:rPr>
               <a:t>()</a:t>
             </a:r>
             <a:endParaRPr lang="en-SG" sz="1600" b="1" dirty="0">
               <a:solidFill>
-                <a:srgbClr val="0070C0"/>
+                <a:schemeClr val="accent1">
+                  <a:lumMod val="50000"/>
+                </a:schemeClr>
               </a:solidFill>
             </a:endParaRPr>
           </a:p>
         </p:txBody>
       </p:sp>
-      <p:sp>
-        <p:nvSpPr>
-          <p:cNvPr id="254" name="TextBox 253"/>
-          <p:cNvSpPr txBox="1"/>
+      <p:cxnSp>
+        <p:nvCxnSpPr>
+          <p:cNvPr id="279" name="Straight Arrow Connector 278"/>
+          <p:cNvCxnSpPr/>
           <p:nvPr/>
-        </p:nvSpPr>
-        <p:spPr>
-          <a:xfrm>
-            <a:off x="4317150" y="2569713"/>
-            <a:ext cx="1135356" cy="338554"/>
-          </a:xfrm>
-          <a:prstGeom prst="rect">
-            <a:avLst/>
-          </a:prstGeom>
-          <a:noFill/>
-        </p:spPr>
-        <p:txBody>
-          <a:bodyPr wrap="square" rtlCol="0">
-            <a:spAutoFit/>
-          </a:bodyPr>
-          <a:lstStyle/>
-          <a:p>
-            <a:r>
-              <a:rPr lang="en-US" sz="1600" b="1" dirty="0" smtClean="0">
-                <a:solidFill>
-                  <a:srgbClr val="0070C0"/>
-                </a:solidFill>
-              </a:rPr>
-              <a:t>execute()</a:t>
-            </a:r>
-            <a:endParaRPr lang="en-SG" sz="1600" b="1" dirty="0">
-              <a:solidFill>
-                <a:srgbClr val="0070C0"/>
-              </a:solidFill>
-            </a:endParaRPr>
-          </a:p>
-        </p:txBody>
-      </p:sp>
-      <p:sp>
-        <p:nvSpPr>
-          <p:cNvPr id="255" name="Arc 254"/>
-          <p:cNvSpPr/>
-          <p:nvPr/>
-        </p:nvSpPr>
-        <p:spPr>
-          <a:xfrm>
-            <a:off x="6567238" y="2652057"/>
-            <a:ext cx="457200" cy="307776"/>
-          </a:xfrm>
-          <a:prstGeom prst="arc">
-            <a:avLst>
-              <a:gd name="adj1" fmla="val 16200000"/>
-              <a:gd name="adj2" fmla="val 5721350"/>
-            </a:avLst>
+        </p:nvCxnSpPr>
+        <p:spPr>
+          <a:xfrm>
+            <a:off x="4848057" y="4124781"/>
+            <a:ext cx="1224000" cy="0"/>
+          </a:xfrm>
+          <a:prstGeom prst="straightConnector1">
+            <a:avLst/>
           </a:prstGeom>
           <a:ln w="38100">
             <a:solidFill>
-              <a:srgbClr val="C00000"/>
+              <a:schemeClr val="accent1">
+                <a:lumMod val="50000"/>
+              </a:schemeClr>
             </a:solidFill>
             <a:prstDash val="solid"/>
             <a:tailEnd type="arrow"/>
@@ -5389,6 +5038,82 @@
             <a:schemeClr val="tx1"/>
           </a:fontRef>
         </p:style>
+      </p:cxnSp>
+      <p:sp>
+        <p:nvSpPr>
+          <p:cNvPr id="280" name="TextBox 279"/>
+          <p:cNvSpPr txBox="1"/>
+          <p:nvPr/>
+        </p:nvSpPr>
+        <p:spPr>
+          <a:xfrm>
+            <a:off x="4842827" y="6920880"/>
+            <a:ext cx="3978233" cy="338554"/>
+          </a:xfrm>
+          <a:prstGeom prst="rect">
+            <a:avLst/>
+          </a:prstGeom>
+          <a:noFill/>
+        </p:spPr>
+        <p:txBody>
+          <a:bodyPr wrap="square" rtlCol="0">
+            <a:spAutoFit/>
+          </a:bodyPr>
+          <a:lstStyle/>
+          <a:p>
+            <a:pPr algn="ctr"/>
+            <a:r>
+              <a:rPr lang="en-US" sz="1600" b="1" dirty="0">
+                <a:solidFill>
+                  <a:schemeClr val="accent1">
+                    <a:lumMod val="50000"/>
+                  </a:schemeClr>
+                </a:solidFill>
+              </a:rPr>
+              <a:t>send()</a:t>
+            </a:r>
+            <a:endParaRPr lang="en-SG" sz="1600" b="1" dirty="0">
+              <a:solidFill>
+                <a:schemeClr val="accent1">
+                  <a:lumMod val="50000"/>
+                </a:schemeClr>
+              </a:solidFill>
+            </a:endParaRPr>
+          </a:p>
+        </p:txBody>
+      </p:sp>
+      <p:sp>
+        <p:nvSpPr>
+          <p:cNvPr id="248" name="Rectangle 247"/>
+          <p:cNvSpPr/>
+          <p:nvPr/>
+        </p:nvSpPr>
+        <p:spPr>
+          <a:xfrm>
+            <a:off x="4658334" y="4012892"/>
+            <a:ext cx="180000" cy="3744000"/>
+          </a:xfrm>
+          <a:prstGeom prst="rect">
+            <a:avLst/>
+          </a:prstGeom>
+          <a:ln/>
+        </p:spPr>
+        <p:style>
+          <a:lnRef idx="2">
+            <a:schemeClr val="accent1">
+              <a:shade val="50000"/>
+            </a:schemeClr>
+          </a:lnRef>
+          <a:fillRef idx="1">
+            <a:schemeClr val="accent1"/>
+          </a:fillRef>
+          <a:effectRef idx="0">
+            <a:schemeClr val="accent1"/>
+          </a:effectRef>
+          <a:fontRef idx="minor">
+            <a:schemeClr val="lt1"/>
+          </a:fontRef>
+        </p:style>
         <p:txBody>
           <a:bodyPr rtlCol="0" anchor="ctr"/>
           <a:lstStyle/>
@@ -5400,14 +5125,14 @@
       </p:sp>
       <p:sp>
         <p:nvSpPr>
-          <p:cNvPr id="256" name="TextBox 255"/>
+          <p:cNvPr id="296" name="TextBox 295"/>
           <p:cNvSpPr txBox="1"/>
           <p:nvPr/>
         </p:nvSpPr>
         <p:spPr>
           <a:xfrm>
-            <a:off x="7024437" y="2592404"/>
-            <a:ext cx="1764542" cy="584775"/>
+            <a:off x="6251273" y="3903146"/>
+            <a:ext cx="777829" cy="338554"/>
           </a:xfrm>
           <a:prstGeom prst="rect">
             <a:avLst/>
@@ -5435,32 +5160,181 @@
           <a:p>
             <a:r>
               <a:rPr lang="en-US" dirty="0"/>
-              <a:t>check access rights</a:t>
+              <a:t>create</a:t>
             </a:r>
             <a:endParaRPr lang="en-SG" dirty="0"/>
+          </a:p>
+        </p:txBody>
+      </p:sp>
+      <p:sp>
+        <p:nvSpPr>
+          <p:cNvPr id="275" name="Rectangle 274"/>
+          <p:cNvSpPr/>
+          <p:nvPr/>
+        </p:nvSpPr>
+        <p:spPr>
+          <a:xfrm>
+            <a:off x="8855987" y="7259434"/>
+            <a:ext cx="180000" cy="355213"/>
+          </a:xfrm>
+          <a:prstGeom prst="rect">
+            <a:avLst/>
+          </a:prstGeom>
+          <a:ln/>
+        </p:spPr>
+        <p:style>
+          <a:lnRef idx="2">
+            <a:schemeClr val="accent3">
+              <a:shade val="50000"/>
+            </a:schemeClr>
+          </a:lnRef>
+          <a:fillRef idx="1">
+            <a:schemeClr val="accent3"/>
+          </a:fillRef>
+          <a:effectRef idx="0">
+            <a:schemeClr val="accent3"/>
+          </a:effectRef>
+          <a:fontRef idx="minor">
+            <a:schemeClr val="lt1"/>
+          </a:fontRef>
+        </p:style>
+        <p:txBody>
+          <a:bodyPr rtlCol="0" anchor="ctr"/>
+          <a:lstStyle/>
+          <a:p>
+            <a:pPr algn="ctr"/>
+            <a:endParaRPr lang="en-SG"/>
+          </a:p>
+        </p:txBody>
+      </p:sp>
+      <p:sp>
+        <p:nvSpPr>
+          <p:cNvPr id="202" name="Rectangle 201"/>
+          <p:cNvSpPr/>
+          <p:nvPr/>
+        </p:nvSpPr>
+        <p:spPr>
+          <a:xfrm>
+            <a:off x="8372744" y="6318872"/>
+            <a:ext cx="1152000" cy="414000"/>
+          </a:xfrm>
+          <a:prstGeom prst="rect">
+            <a:avLst/>
+          </a:prstGeom>
+          <a:ln/>
+        </p:spPr>
+        <p:style>
+          <a:lnRef idx="2">
+            <a:schemeClr val="accent3">
+              <a:shade val="50000"/>
+            </a:schemeClr>
+          </a:lnRef>
+          <a:fillRef idx="1">
+            <a:schemeClr val="accent3"/>
+          </a:fillRef>
+          <a:effectRef idx="0">
+            <a:schemeClr val="accent3"/>
+          </a:effectRef>
+          <a:fontRef idx="minor">
+            <a:schemeClr val="lt1"/>
+          </a:fontRef>
+        </p:style>
+        <p:txBody>
+          <a:bodyPr rtlCol="0" anchor="ctr"/>
+          <a:lstStyle/>
+          <a:p>
+            <a:pPr algn="ctr"/>
+            <a:r>
+              <a:rPr lang="en-US" sz="1400" b="1" dirty="0"/>
+              <a:t>:*Result</a:t>
+            </a:r>
+            <a:endParaRPr lang="en-SG" sz="1400" b="1" dirty="0"/>
+          </a:p>
+        </p:txBody>
+      </p:sp>
+      <p:sp>
+        <p:nvSpPr>
+          <p:cNvPr id="76" name="Rectangle 75"/>
+          <p:cNvSpPr/>
+          <p:nvPr/>
+        </p:nvSpPr>
+        <p:spPr>
+          <a:xfrm>
+            <a:off x="2779150" y="351261"/>
+            <a:ext cx="1151999" cy="412985"/>
+          </a:xfrm>
+          <a:prstGeom prst="rect">
+            <a:avLst/>
+          </a:prstGeom>
+          <a:ln/>
+        </p:spPr>
+        <p:style>
+          <a:lnRef idx="2">
+            <a:schemeClr val="accent1">
+              <a:shade val="50000"/>
+            </a:schemeClr>
+          </a:lnRef>
+          <a:fillRef idx="1">
+            <a:schemeClr val="accent1"/>
+          </a:fillRef>
+          <a:effectRef idx="0">
+            <a:schemeClr val="accent1"/>
+          </a:effectRef>
+          <a:fontRef idx="minor">
+            <a:schemeClr val="lt1"/>
+          </a:fontRef>
+        </p:style>
+        <p:txBody>
+          <a:bodyPr rtlCol="0" anchor="ctr"/>
+          <a:lstStyle/>
+          <a:p>
+            <a:pPr algn="ctr"/>
+            <a:r>
+              <a:rPr lang="en-US" sz="1400" b="1" dirty="0"/>
+              <a:t>:</a:t>
+            </a:r>
+            <a:r>
+              <a:rPr lang="en-US" sz="1400" b="1" dirty="0" err="1"/>
+              <a:t>WebPage</a:t>
+            </a:r>
+            <a:r>
+              <a:rPr lang="en-US" sz="1400" b="1" dirty="0"/>
+              <a:t/>
+            </a:r>
+            <a:br>
+              <a:rPr lang="en-US" sz="1400" b="1" dirty="0"/>
+            </a:br>
+            <a:r>
+              <a:rPr lang="en-US" sz="1400" b="1" dirty="0"/>
+              <a:t>Servlet</a:t>
+            </a:r>
+            <a:endParaRPr lang="en-SG" sz="1400" b="1" dirty="0"/>
           </a:p>
         </p:txBody>
       </p:sp>
       <p:cxnSp>
         <p:nvCxnSpPr>
-          <p:cNvPr id="260" name="Straight Arrow Connector 259"/>
-          <p:cNvCxnSpPr/>
+          <p:cNvPr id="78" name="Straight Connector 77"/>
+          <p:cNvCxnSpPr>
+            <a:stCxn id="76" idx="2"/>
+          </p:cNvCxnSpPr>
           <p:nvPr/>
         </p:nvCxnSpPr>
         <p:spPr>
-          <a:xfrm>
-            <a:off x="8495881" y="6639091"/>
-            <a:ext cx="841244" cy="0"/>
-          </a:xfrm>
-          <a:prstGeom prst="straightConnector1">
-            <a:avLst/>
-          </a:prstGeom>
-          <a:ln w="38100">
+          <a:xfrm flipH="1">
+            <a:off x="3347768" y="764240"/>
+            <a:ext cx="0" cy="1332000"/>
+          </a:xfrm>
+          <a:prstGeom prst="line">
+            <a:avLst/>
+          </a:prstGeom>
+          <a:ln w="28575">
             <a:solidFill>
-              <a:srgbClr val="C00000"/>
+              <a:schemeClr val="accent1">
+                <a:lumMod val="50000"/>
+              </a:schemeClr>
             </a:solidFill>
-            <a:prstDash val="solid"/>
-            <a:tailEnd type="arrow"/>
+            <a:prstDash val="sysDash"/>
           </a:ln>
         </p:spPr>
         <p:style>
@@ -5480,21 +5354,195 @@
       </p:cxnSp>
       <p:cxnSp>
         <p:nvCxnSpPr>
-          <p:cNvPr id="261" name="Straight Arrow Connector 260"/>
+          <p:cNvPr id="82" name="Straight Arrow Connector 81"/>
           <p:cNvCxnSpPr/>
           <p:nvPr/>
         </p:nvCxnSpPr>
         <p:spPr>
           <a:xfrm>
-            <a:off x="9408543" y="6715291"/>
-            <a:ext cx="1197236" cy="0"/>
+            <a:off x="2164556" y="1464412"/>
+            <a:ext cx="1080000" cy="0"/>
           </a:xfrm>
           <a:prstGeom prst="straightConnector1">
             <a:avLst/>
           </a:prstGeom>
           <a:ln w="38100">
             <a:solidFill>
-              <a:srgbClr val="7030A0"/>
+              <a:schemeClr val="bg1">
+                <a:lumMod val="50000"/>
+              </a:schemeClr>
+            </a:solidFill>
+            <a:prstDash val="solid"/>
+            <a:tailEnd type="arrow"/>
+          </a:ln>
+        </p:spPr>
+        <p:style>
+          <a:lnRef idx="1">
+            <a:schemeClr val="accent1"/>
+          </a:lnRef>
+          <a:fillRef idx="0">
+            <a:schemeClr val="accent1"/>
+          </a:fillRef>
+          <a:effectRef idx="0">
+            <a:schemeClr val="accent1"/>
+          </a:effectRef>
+          <a:fontRef idx="minor">
+            <a:schemeClr val="tx1"/>
+          </a:fontRef>
+        </p:style>
+      </p:cxnSp>
+      <p:sp>
+        <p:nvSpPr>
+          <p:cNvPr id="77" name="Rectangle 76"/>
+          <p:cNvSpPr/>
+          <p:nvPr/>
+        </p:nvSpPr>
+        <p:spPr>
+          <a:xfrm>
+            <a:off x="3256639" y="1450161"/>
+            <a:ext cx="180000" cy="504000"/>
+          </a:xfrm>
+          <a:prstGeom prst="rect">
+            <a:avLst/>
+          </a:prstGeom>
+          <a:ln/>
+        </p:spPr>
+        <p:style>
+          <a:lnRef idx="2">
+            <a:schemeClr val="accent1">
+              <a:shade val="50000"/>
+            </a:schemeClr>
+          </a:lnRef>
+          <a:fillRef idx="1">
+            <a:schemeClr val="accent1"/>
+          </a:fillRef>
+          <a:effectRef idx="0">
+            <a:schemeClr val="accent1"/>
+          </a:effectRef>
+          <a:fontRef idx="minor">
+            <a:schemeClr val="lt1"/>
+          </a:fontRef>
+        </p:style>
+        <p:txBody>
+          <a:bodyPr rtlCol="0" anchor="ctr"/>
+          <a:lstStyle/>
+          <a:p>
+            <a:pPr algn="ctr"/>
+            <a:endParaRPr lang="en-SG"/>
+          </a:p>
+        </p:txBody>
+      </p:sp>
+      <p:cxnSp>
+        <p:nvCxnSpPr>
+          <p:cNvPr id="84" name="Straight Arrow Connector 83"/>
+          <p:cNvCxnSpPr/>
+          <p:nvPr/>
+        </p:nvCxnSpPr>
+        <p:spPr>
+          <a:xfrm>
+            <a:off x="2159149" y="1956161"/>
+            <a:ext cx="1080000" cy="0"/>
+          </a:xfrm>
+          <a:prstGeom prst="straightConnector1">
+            <a:avLst/>
+          </a:prstGeom>
+          <a:ln w="38100">
+            <a:solidFill>
+              <a:schemeClr val="accent1">
+                <a:lumMod val="50000"/>
+              </a:schemeClr>
+            </a:solidFill>
+            <a:prstDash val="sysDot"/>
+            <a:headEnd type="arrow" w="med" len="med"/>
+            <a:tailEnd type="none" w="med" len="med"/>
+          </a:ln>
+        </p:spPr>
+        <p:style>
+          <a:lnRef idx="1">
+            <a:schemeClr val="accent1"/>
+          </a:lnRef>
+          <a:fillRef idx="0">
+            <a:schemeClr val="accent1"/>
+          </a:fillRef>
+          <a:effectRef idx="0">
+            <a:schemeClr val="accent1"/>
+          </a:effectRef>
+          <a:fontRef idx="minor">
+            <a:schemeClr val="tx1"/>
+          </a:fontRef>
+        </p:style>
+      </p:cxnSp>
+      <p:sp>
+        <p:nvSpPr>
+          <p:cNvPr id="87" name="Rectangle 86"/>
+          <p:cNvSpPr/>
+          <p:nvPr/>
+        </p:nvSpPr>
+        <p:spPr>
+          <a:xfrm>
+            <a:off x="1984886" y="2663470"/>
+            <a:ext cx="180000" cy="5220000"/>
+          </a:xfrm>
+          <a:prstGeom prst="rect">
+            <a:avLst/>
+          </a:prstGeom>
+          <a:solidFill>
+            <a:schemeClr val="bg1">
+              <a:lumMod val="65000"/>
+            </a:schemeClr>
+          </a:solidFill>
+          <a:ln>
+            <a:solidFill>
+              <a:schemeClr val="bg1">
+                <a:lumMod val="50000"/>
+              </a:schemeClr>
+            </a:solidFill>
+          </a:ln>
+        </p:spPr>
+        <p:style>
+          <a:lnRef idx="2">
+            <a:schemeClr val="accent1">
+              <a:shade val="50000"/>
+            </a:schemeClr>
+          </a:lnRef>
+          <a:fillRef idx="1">
+            <a:schemeClr val="accent1"/>
+          </a:fillRef>
+          <a:effectRef idx="0">
+            <a:schemeClr val="accent1"/>
+          </a:effectRef>
+          <a:fontRef idx="minor">
+            <a:schemeClr val="lt1"/>
+          </a:fontRef>
+        </p:style>
+        <p:txBody>
+          <a:bodyPr rtlCol="0" anchor="ctr"/>
+          <a:lstStyle/>
+          <a:p>
+            <a:pPr algn="ctr"/>
+            <a:endParaRPr lang="en-SG" sz="1600" b="1"/>
+          </a:p>
+        </p:txBody>
+      </p:sp>
+      <p:cxnSp>
+        <p:nvCxnSpPr>
+          <p:cNvPr id="88" name="Straight Arrow Connector 87"/>
+          <p:cNvCxnSpPr/>
+          <p:nvPr/>
+        </p:nvCxnSpPr>
+        <p:spPr>
+          <a:xfrm>
+            <a:off x="908643" y="2669470"/>
+            <a:ext cx="1080000" cy="0"/>
+          </a:xfrm>
+          <a:prstGeom prst="straightConnector1">
+            <a:avLst/>
+          </a:prstGeom>
+          <a:ln w="38100">
+            <a:solidFill>
+              <a:schemeClr val="bg1">
+                <a:lumMod val="50000"/>
+              </a:schemeClr>
             </a:solidFill>
             <a:prstDash val="solid"/>
             <a:tailEnd type="arrow"/>
@@ -5517,21 +5565,23 @@
       </p:cxnSp>
       <p:cxnSp>
         <p:nvCxnSpPr>
-          <p:cNvPr id="262" name="Straight Arrow Connector 261"/>
+          <p:cNvPr id="89" name="Straight Arrow Connector 88"/>
           <p:cNvCxnSpPr/>
           <p:nvPr/>
         </p:nvCxnSpPr>
         <p:spPr>
           <a:xfrm>
-            <a:off x="9479961" y="7096291"/>
-            <a:ext cx="1197237" cy="0"/>
+            <a:off x="890210" y="7901781"/>
+            <a:ext cx="1080000" cy="0"/>
           </a:xfrm>
           <a:prstGeom prst="straightConnector1">
             <a:avLst/>
           </a:prstGeom>
           <a:ln w="38100">
             <a:solidFill>
-              <a:srgbClr val="7030A0"/>
+              <a:schemeClr val="bg1">
+                <a:lumMod val="50000"/>
+              </a:schemeClr>
             </a:solidFill>
             <a:prstDash val="sysDot"/>
             <a:headEnd type="arrow" w="med" len="med"/>
@@ -5555,111 +5605,76 @@
       </p:cxnSp>
       <p:sp>
         <p:nvSpPr>
-          <p:cNvPr id="263" name="Rectangle 262"/>
-          <p:cNvSpPr/>
+          <p:cNvPr id="102" name="TextBox 101"/>
+          <p:cNvSpPr txBox="1"/>
           <p:nvPr/>
         </p:nvSpPr>
         <p:spPr>
           <a:xfrm>
-            <a:off x="9337125" y="6639091"/>
-            <a:ext cx="142836" cy="1219200"/>
+            <a:off x="4866136" y="4593940"/>
+            <a:ext cx="2597030" cy="338554"/>
           </a:xfrm>
           <a:prstGeom prst="rect">
             <a:avLst/>
           </a:prstGeom>
-          <a:solidFill>
-            <a:schemeClr val="accent4">
-              <a:lumMod val="40000"/>
-              <a:lumOff val="60000"/>
-            </a:schemeClr>
-          </a:solidFill>
-          <a:ln>
-            <a:solidFill>
-              <a:srgbClr val="7030A0"/>
-            </a:solidFill>
-          </a:ln>
-        </p:spPr>
-        <p:style>
-          <a:lnRef idx="2">
-            <a:schemeClr val="accent6"/>
-          </a:lnRef>
-          <a:fillRef idx="1">
-            <a:schemeClr val="lt1"/>
-          </a:fillRef>
-          <a:effectRef idx="0">
-            <a:schemeClr val="accent6"/>
-          </a:effectRef>
-          <a:fontRef idx="minor">
-            <a:schemeClr val="dk1"/>
-          </a:fontRef>
-        </p:style>
-        <p:txBody>
-          <a:bodyPr rtlCol="0" anchor="ctr"/>
+          <a:noFill/>
+        </p:spPr>
+        <p:txBody>
+          <a:bodyPr wrap="square" rtlCol="0">
+            <a:spAutoFit/>
+          </a:bodyPr>
           <a:lstStyle/>
           <a:p>
             <a:pPr algn="ctr"/>
-            <a:endParaRPr lang="en-SG"/>
-          </a:p>
-        </p:txBody>
-      </p:sp>
-      <p:sp>
-        <p:nvSpPr>
-          <p:cNvPr id="264" name="Rectangle 263"/>
-          <p:cNvSpPr/>
-          <p:nvPr/>
-        </p:nvSpPr>
-        <p:spPr>
-          <a:xfrm>
-            <a:off x="10605779" y="6715292"/>
-            <a:ext cx="142836" cy="381000"/>
-          </a:xfrm>
-          <a:prstGeom prst="rect">
-            <a:avLst/>
-          </a:prstGeom>
-          <a:ln/>
-        </p:spPr>
-        <p:style>
-          <a:lnRef idx="2">
-            <a:schemeClr val="accent4">
-              <a:shade val="50000"/>
-            </a:schemeClr>
-          </a:lnRef>
-          <a:fillRef idx="1">
-            <a:schemeClr val="accent4"/>
-          </a:fillRef>
-          <a:effectRef idx="0">
-            <a:schemeClr val="accent4"/>
-          </a:effectRef>
-          <a:fontRef idx="minor">
-            <a:schemeClr val="lt1"/>
-          </a:fontRef>
-        </p:style>
-        <p:txBody>
-          <a:bodyPr rtlCol="0" anchor="ctr"/>
-          <a:lstStyle/>
-          <a:p>
-            <a:pPr algn="ctr"/>
-            <a:endParaRPr lang="en-SG"/>
+            <a:r>
+              <a:rPr lang="en-US" sz="1600" b="1" dirty="0" err="1">
+                <a:solidFill>
+                  <a:schemeClr val="accent1">
+                    <a:lumMod val="50000"/>
+                  </a:schemeClr>
+                </a:solidFill>
+              </a:rPr>
+              <a:t>checkAccessControl</a:t>
+            </a:r>
+            <a:r>
+              <a:rPr lang="en-US" sz="1600" b="1" dirty="0">
+                <a:solidFill>
+                  <a:schemeClr val="accent1">
+                    <a:lumMod val="50000"/>
+                  </a:schemeClr>
+                </a:solidFill>
+              </a:rPr>
+              <a:t>()</a:t>
+            </a:r>
+            <a:endParaRPr lang="en-SG" sz="1600" b="1" dirty="0">
+              <a:solidFill>
+                <a:schemeClr val="accent1">
+                  <a:lumMod val="50000"/>
+                </a:schemeClr>
+              </a:solidFill>
+            </a:endParaRPr>
           </a:p>
         </p:txBody>
       </p:sp>
       <p:cxnSp>
         <p:nvCxnSpPr>
-          <p:cNvPr id="265" name="Straight Arrow Connector 264"/>
+          <p:cNvPr id="114" name="Straight Arrow Connector 113"/>
           <p:cNvCxnSpPr/>
           <p:nvPr/>
         </p:nvCxnSpPr>
         <p:spPr>
-          <a:xfrm flipV="1">
-            <a:off x="6734079" y="4982388"/>
-            <a:ext cx="3848491" cy="2"/>
+          <a:xfrm>
+            <a:off x="4846321" y="4927391"/>
+            <a:ext cx="2628000" cy="0"/>
           </a:xfrm>
           <a:prstGeom prst="straightConnector1">
             <a:avLst/>
           </a:prstGeom>
           <a:ln w="38100">
             <a:solidFill>
-              <a:srgbClr val="C00000"/>
+              <a:schemeClr val="accent1">
+                <a:lumMod val="50000"/>
+              </a:schemeClr>
             </a:solidFill>
             <a:prstDash val="solid"/>
             <a:tailEnd type="arrow"/>
@@ -5682,21 +5697,23 @@
       </p:cxnSp>
       <p:cxnSp>
         <p:nvCxnSpPr>
-          <p:cNvPr id="267" name="Straight Arrow Connector 266"/>
+          <p:cNvPr id="116" name="Straight Arrow Connector 115"/>
           <p:cNvCxnSpPr/>
           <p:nvPr/>
         </p:nvCxnSpPr>
         <p:spPr>
           <a:xfrm>
-            <a:off x="6782133" y="5158581"/>
-            <a:ext cx="3714480" cy="0"/>
+            <a:off x="4866141" y="5242292"/>
+            <a:ext cx="2589855" cy="0"/>
           </a:xfrm>
           <a:prstGeom prst="straightConnector1">
             <a:avLst/>
           </a:prstGeom>
           <a:ln w="38100">
             <a:solidFill>
-              <a:srgbClr val="7030A0"/>
+              <a:schemeClr val="accent2">
+                <a:lumMod val="75000"/>
+              </a:schemeClr>
             </a:solidFill>
             <a:prstDash val="sysDot"/>
             <a:headEnd type="arrow" w="med" len="med"/>
@@ -5720,14 +5737,175 @@
       </p:cxnSp>
       <p:sp>
         <p:nvSpPr>
-          <p:cNvPr id="268" name="TextBox 267"/>
+          <p:cNvPr id="118" name="TextBox 117"/>
           <p:cNvSpPr txBox="1"/>
           <p:nvPr/>
         </p:nvSpPr>
         <p:spPr>
           <a:xfrm>
-            <a:off x="8495881" y="6328135"/>
-            <a:ext cx="932947" cy="338554"/>
+            <a:off x="4873311" y="5360938"/>
+            <a:ext cx="2538020" cy="338554"/>
+          </a:xfrm>
+          <a:prstGeom prst="rect">
+            <a:avLst/>
+          </a:prstGeom>
+          <a:noFill/>
+        </p:spPr>
+        <p:txBody>
+          <a:bodyPr wrap="square" rtlCol="0">
+            <a:spAutoFit/>
+          </a:bodyPr>
+          <a:lstStyle/>
+          <a:p>
+            <a:pPr algn="ctr"/>
+            <a:r>
+              <a:rPr lang="en-US" sz="1600" b="1" dirty="0">
+                <a:solidFill>
+                  <a:schemeClr val="accent1">
+                    <a:lumMod val="50000"/>
+                  </a:schemeClr>
+                </a:solidFill>
+              </a:rPr>
+              <a:t>execute()</a:t>
+            </a:r>
+            <a:endParaRPr lang="en-SG" sz="1600" b="1" dirty="0">
+              <a:solidFill>
+                <a:schemeClr val="accent1">
+                  <a:lumMod val="50000"/>
+                </a:schemeClr>
+              </a:solidFill>
+            </a:endParaRPr>
+          </a:p>
+        </p:txBody>
+      </p:sp>
+      <p:cxnSp>
+        <p:nvCxnSpPr>
+          <p:cNvPr id="119" name="Straight Arrow Connector 118"/>
+          <p:cNvCxnSpPr/>
+          <p:nvPr/>
+        </p:nvCxnSpPr>
+        <p:spPr>
+          <a:xfrm>
+            <a:off x="4846321" y="5699492"/>
+            <a:ext cx="2628000" cy="0"/>
+          </a:xfrm>
+          <a:prstGeom prst="straightConnector1">
+            <a:avLst/>
+          </a:prstGeom>
+          <a:ln w="38100">
+            <a:solidFill>
+              <a:schemeClr val="accent1">
+                <a:lumMod val="50000"/>
+              </a:schemeClr>
+            </a:solidFill>
+            <a:prstDash val="solid"/>
+            <a:tailEnd type="arrow"/>
+          </a:ln>
+        </p:spPr>
+        <p:style>
+          <a:lnRef idx="1">
+            <a:schemeClr val="accent1"/>
+          </a:lnRef>
+          <a:fillRef idx="0">
+            <a:schemeClr val="accent1"/>
+          </a:fillRef>
+          <a:effectRef idx="0">
+            <a:schemeClr val="accent1"/>
+          </a:effectRef>
+          <a:fontRef idx="minor">
+            <a:schemeClr val="tx1"/>
+          </a:fontRef>
+        </p:style>
+      </p:cxnSp>
+      <p:cxnSp>
+        <p:nvCxnSpPr>
+          <p:cNvPr id="120" name="Straight Arrow Connector 119"/>
+          <p:cNvCxnSpPr/>
+          <p:nvPr/>
+        </p:nvCxnSpPr>
+        <p:spPr>
+          <a:xfrm>
+            <a:off x="4873311" y="6830711"/>
+            <a:ext cx="2589855" cy="0"/>
+          </a:xfrm>
+          <a:prstGeom prst="straightConnector1">
+            <a:avLst/>
+          </a:prstGeom>
+          <a:ln w="38100">
+            <a:solidFill>
+              <a:schemeClr val="accent2">
+                <a:lumMod val="75000"/>
+              </a:schemeClr>
+            </a:solidFill>
+            <a:prstDash val="sysDot"/>
+            <a:headEnd type="arrow" w="med" len="med"/>
+            <a:tailEnd type="none" w="med" len="med"/>
+          </a:ln>
+        </p:spPr>
+        <p:style>
+          <a:lnRef idx="1">
+            <a:schemeClr val="accent1"/>
+          </a:lnRef>
+          <a:fillRef idx="0">
+            <a:schemeClr val="accent1"/>
+          </a:fillRef>
+          <a:effectRef idx="0">
+            <a:schemeClr val="accent1"/>
+          </a:effectRef>
+          <a:fontRef idx="minor">
+            <a:schemeClr val="tx1"/>
+          </a:fontRef>
+        </p:style>
+      </p:cxnSp>
+      <p:cxnSp>
+        <p:nvCxnSpPr>
+          <p:cNvPr id="121" name="Straight Arrow Connector 120"/>
+          <p:cNvCxnSpPr/>
+          <p:nvPr/>
+        </p:nvCxnSpPr>
+        <p:spPr>
+          <a:xfrm flipV="1">
+            <a:off x="7646768" y="6541363"/>
+            <a:ext cx="748232" cy="0"/>
+          </a:xfrm>
+          <a:prstGeom prst="straightConnector1">
+            <a:avLst/>
+          </a:prstGeom>
+          <a:ln w="38100">
+            <a:solidFill>
+              <a:schemeClr val="accent2">
+                <a:lumMod val="75000"/>
+              </a:schemeClr>
+            </a:solidFill>
+            <a:prstDash val="solid"/>
+            <a:tailEnd type="arrow"/>
+          </a:ln>
+        </p:spPr>
+        <p:style>
+          <a:lnRef idx="1">
+            <a:schemeClr val="accent1"/>
+          </a:lnRef>
+          <a:fillRef idx="0">
+            <a:schemeClr val="accent1"/>
+          </a:fillRef>
+          <a:effectRef idx="0">
+            <a:schemeClr val="accent1"/>
+          </a:effectRef>
+          <a:fontRef idx="minor">
+            <a:schemeClr val="tx1"/>
+          </a:fontRef>
+        </p:style>
+      </p:cxnSp>
+      <p:sp>
+        <p:nvSpPr>
+          <p:cNvPr id="122" name="TextBox 121"/>
+          <p:cNvSpPr txBox="1"/>
+          <p:nvPr/>
+        </p:nvSpPr>
+        <p:spPr>
+          <a:xfrm>
+            <a:off x="7675344" y="6196395"/>
+            <a:ext cx="777829" cy="338554"/>
           </a:xfrm>
           <a:prstGeom prst="rect">
             <a:avLst/>
@@ -5755,7 +5933,7 @@
           <a:p>
             <a:r>
               <a:rPr lang="en-US" dirty="0"/>
-              <a:t>forward</a:t>
+              <a:t>create</a:t>
             </a:r>
             <a:endParaRPr lang="en-SG" dirty="0"/>
           </a:p>
@@ -5763,183 +5941,14 @@
       </p:sp>
       <p:sp>
         <p:nvSpPr>
-          <p:cNvPr id="269" name="TextBox 268"/>
-          <p:cNvSpPr txBox="1"/>
-          <p:nvPr/>
-        </p:nvSpPr>
-        <p:spPr>
-          <a:xfrm>
-            <a:off x="7061311" y="4643419"/>
-            <a:ext cx="2320544" cy="338554"/>
-          </a:xfrm>
-          <a:prstGeom prst="rect">
-            <a:avLst/>
-          </a:prstGeom>
-          <a:noFill/>
-        </p:spPr>
-        <p:txBody>
-          <a:bodyPr wrap="square" rtlCol="0">
-            <a:spAutoFit/>
-          </a:bodyPr>
-          <a:lstStyle/>
-          <a:p>
-            <a:r>
-              <a:rPr lang="en-US" sz="1600" b="1" dirty="0" smtClean="0">
-                <a:solidFill>
-                  <a:schemeClr val="accent2">
-                    <a:lumMod val="75000"/>
-                  </a:schemeClr>
-                </a:solidFill>
-              </a:rPr>
-              <a:t>populate with data</a:t>
-            </a:r>
-            <a:endParaRPr lang="en-SG" sz="1600" b="1" dirty="0">
-              <a:solidFill>
-                <a:schemeClr val="accent2">
-                  <a:lumMod val="75000"/>
-                </a:schemeClr>
-              </a:solidFill>
-            </a:endParaRPr>
-          </a:p>
-        </p:txBody>
-      </p:sp>
-      <p:sp>
-        <p:nvSpPr>
-          <p:cNvPr id="270" name="TextBox 269"/>
-          <p:cNvSpPr txBox="1"/>
-          <p:nvPr/>
-        </p:nvSpPr>
-        <p:spPr>
-          <a:xfrm>
-            <a:off x="9603408" y="6410491"/>
-            <a:ext cx="1002372" cy="584775"/>
-          </a:xfrm>
-          <a:prstGeom prst="rect">
-            <a:avLst/>
-          </a:prstGeom>
-          <a:noFill/>
-        </p:spPr>
-        <p:txBody>
-          <a:bodyPr wrap="square" rtlCol="0">
-            <a:spAutoFit/>
-          </a:bodyPr>
-          <a:lstStyle/>
-          <a:p>
-            <a:r>
-              <a:rPr lang="en-US" sz="1600" b="1" dirty="0" smtClean="0">
-                <a:solidFill>
-                  <a:srgbClr val="7030A0"/>
-                </a:solidFill>
-              </a:rPr>
-              <a:t>retrieve data</a:t>
-            </a:r>
-            <a:endParaRPr lang="en-SG" sz="1600" b="1" dirty="0">
-              <a:solidFill>
-                <a:srgbClr val="7030A0"/>
-              </a:solidFill>
-            </a:endParaRPr>
-          </a:p>
-        </p:txBody>
-      </p:sp>
-      <p:sp>
-        <p:nvSpPr>
-          <p:cNvPr id="271" name="TextBox 270"/>
-          <p:cNvSpPr txBox="1"/>
-          <p:nvPr/>
-        </p:nvSpPr>
-        <p:spPr>
-          <a:xfrm>
-            <a:off x="9755808" y="7298264"/>
-            <a:ext cx="1002372" cy="584775"/>
-          </a:xfrm>
-          <a:prstGeom prst="rect">
-            <a:avLst/>
-          </a:prstGeom>
-          <a:noFill/>
-        </p:spPr>
-        <p:txBody>
-          <a:bodyPr wrap="square" rtlCol="0">
-            <a:spAutoFit/>
-          </a:bodyPr>
-          <a:lstStyle>
-            <a:defPPr>
-              <a:defRPr lang="en-US"/>
-            </a:defPPr>
-            <a:lvl1pPr>
-              <a:defRPr sz="1600" b="1">
-                <a:solidFill>
-                  <a:srgbClr val="7030A0"/>
-                </a:solidFill>
-              </a:defRPr>
-            </a:lvl1pPr>
-          </a:lstStyle>
-          <a:p>
-            <a:r>
-              <a:rPr lang="en-US" dirty="0"/>
-              <a:t>generate page</a:t>
-            </a:r>
-            <a:endParaRPr lang="en-SG" dirty="0"/>
-          </a:p>
-        </p:txBody>
-      </p:sp>
-      <p:sp>
-        <p:nvSpPr>
-          <p:cNvPr id="272" name="Arc 271"/>
+          <p:cNvPr id="123" name="Rectangle 122"/>
           <p:cNvSpPr/>
           <p:nvPr/>
         </p:nvSpPr>
         <p:spPr>
           <a:xfrm>
-            <a:off x="9298608" y="7298264"/>
-            <a:ext cx="457200" cy="307776"/>
-          </a:xfrm>
-          <a:prstGeom prst="arc">
-            <a:avLst>
-              <a:gd name="adj1" fmla="val 16200000"/>
-              <a:gd name="adj2" fmla="val 5721350"/>
-            </a:avLst>
-          </a:prstGeom>
-          <a:ln w="38100">
-            <a:solidFill>
-              <a:srgbClr val="7030A0"/>
-            </a:solidFill>
-            <a:headEnd type="none" w="med" len="med"/>
-            <a:tailEnd type="arrow" w="med" len="med"/>
-          </a:ln>
-        </p:spPr>
-        <p:style>
-          <a:lnRef idx="1">
-            <a:schemeClr val="accent1"/>
-          </a:lnRef>
-          <a:fillRef idx="0">
-            <a:schemeClr val="accent1"/>
-          </a:fillRef>
-          <a:effectRef idx="0">
-            <a:schemeClr val="accent1"/>
-          </a:effectRef>
-          <a:fontRef idx="minor">
-            <a:schemeClr val="tx1"/>
-          </a:fontRef>
-        </p:style>
-        <p:txBody>
-          <a:bodyPr rtlCol="0" anchor="ctr"/>
-          <a:lstStyle/>
-          <a:p>
-            <a:pPr algn="ctr"/>
-            <a:endParaRPr lang="en-SG"/>
-          </a:p>
-        </p:txBody>
-      </p:sp>
-      <p:sp>
-        <p:nvSpPr>
-          <p:cNvPr id="274" name="Rectangle 273"/>
-          <p:cNvSpPr/>
-          <p:nvPr/>
-        </p:nvSpPr>
-        <p:spPr>
-          <a:xfrm>
-            <a:off x="9922719" y="4039205"/>
-            <a:ext cx="1511250" cy="409951"/>
+            <a:off x="7483310" y="5678711"/>
+            <a:ext cx="180000" cy="1152000"/>
           </a:xfrm>
           <a:prstGeom prst="rect">
             <a:avLst/>
@@ -5948,15 +5957,15 @@
         </p:spPr>
         <p:style>
           <a:lnRef idx="2">
-            <a:schemeClr val="accent4">
+            <a:schemeClr val="accent2">
               <a:shade val="50000"/>
             </a:schemeClr>
           </a:lnRef>
           <a:fillRef idx="1">
-            <a:schemeClr val="accent4"/>
+            <a:schemeClr val="accent2"/>
           </a:fillRef>
           <a:effectRef idx="0">
-            <a:schemeClr val="accent4"/>
+            <a:schemeClr val="accent2"/>
           </a:effectRef>
           <a:fontRef idx="minor">
             <a:schemeClr val="lt1"/>
@@ -5967,86 +5976,29 @@
           <a:lstStyle/>
           <a:p>
             <a:pPr algn="ctr"/>
-            <a:r>
-              <a:rPr lang="en-US" sz="1400" b="1" dirty="0" smtClean="0"/>
-              <a:t>:_</a:t>
-            </a:r>
-            <a:r>
-              <a:rPr lang="en-US" sz="1400" b="1" dirty="0" err="1" smtClean="0"/>
-              <a:t>xyz_PageData</a:t>
-            </a:r>
-            <a:endParaRPr lang="en-SG" sz="1400" b="1" dirty="0"/>
-          </a:p>
-        </p:txBody>
-      </p:sp>
-      <p:sp>
-        <p:nvSpPr>
-          <p:cNvPr id="276" name="Rectangle 275"/>
-          <p:cNvSpPr/>
-          <p:nvPr/>
-        </p:nvSpPr>
-        <p:spPr>
-          <a:xfrm>
-            <a:off x="8341394" y="5811604"/>
-            <a:ext cx="142836" cy="169881"/>
-          </a:xfrm>
-          <a:prstGeom prst="rect">
-            <a:avLst/>
-          </a:prstGeom>
-          <a:solidFill>
-            <a:schemeClr val="accent3">
-              <a:lumMod val="40000"/>
-              <a:lumOff val="60000"/>
-            </a:schemeClr>
-          </a:solidFill>
-          <a:ln>
-            <a:solidFill>
-              <a:srgbClr val="00B050"/>
-            </a:solidFill>
-          </a:ln>
-        </p:spPr>
-        <p:style>
-          <a:lnRef idx="2">
-            <a:schemeClr val="accent6"/>
-          </a:lnRef>
-          <a:fillRef idx="1">
-            <a:schemeClr val="lt1"/>
-          </a:fillRef>
-          <a:effectRef idx="0">
-            <a:schemeClr val="accent6"/>
-          </a:effectRef>
-          <a:fontRef idx="minor">
-            <a:schemeClr val="dk1"/>
-          </a:fontRef>
-        </p:style>
-        <p:txBody>
-          <a:bodyPr rtlCol="0" anchor="ctr"/>
-          <a:lstStyle/>
-          <a:p>
-            <a:pPr algn="ctr"/>
             <a:endParaRPr lang="en-SG"/>
           </a:p>
         </p:txBody>
       </p:sp>
       <p:cxnSp>
         <p:nvCxnSpPr>
-          <p:cNvPr id="277" name="Straight Arrow Connector 276"/>
-          <p:cNvCxnSpPr>
-            <a:endCxn id="274" idx="1"/>
-          </p:cNvCxnSpPr>
+          <p:cNvPr id="124" name="Straight Arrow Connector 123"/>
+          <p:cNvCxnSpPr/>
           <p:nvPr/>
         </p:nvCxnSpPr>
         <p:spPr>
           <a:xfrm>
-            <a:off x="6708825" y="4244181"/>
-            <a:ext cx="3213894" cy="0"/>
+            <a:off x="4845444" y="7259434"/>
+            <a:ext cx="3996000" cy="0"/>
           </a:xfrm>
           <a:prstGeom prst="straightConnector1">
             <a:avLst/>
           </a:prstGeom>
           <a:ln w="38100">
             <a:solidFill>
-              <a:srgbClr val="C00000"/>
+              <a:schemeClr val="accent1">
+                <a:lumMod val="50000"/>
+              </a:schemeClr>
             </a:solidFill>
             <a:prstDash val="solid"/>
             <a:tailEnd type="arrow"/>
@@ -6069,21 +6021,23 @@
       </p:cxnSp>
       <p:cxnSp>
         <p:nvCxnSpPr>
-          <p:cNvPr id="278" name="Straight Arrow Connector 277"/>
+          <p:cNvPr id="128" name="Straight Arrow Connector 127"/>
           <p:cNvCxnSpPr/>
           <p:nvPr/>
         </p:nvCxnSpPr>
         <p:spPr>
           <a:xfrm>
-            <a:off x="4259796" y="6016067"/>
-            <a:ext cx="2223554" cy="0"/>
+            <a:off x="2167145" y="7756892"/>
+            <a:ext cx="2475658" cy="0"/>
           </a:xfrm>
           <a:prstGeom prst="straightConnector1">
             <a:avLst/>
           </a:prstGeom>
           <a:ln w="38100">
             <a:solidFill>
-              <a:srgbClr val="C00000"/>
+              <a:schemeClr val="accent1">
+                <a:lumMod val="50000"/>
+              </a:schemeClr>
             </a:solidFill>
             <a:prstDash val="sysDot"/>
             <a:headEnd type="arrow" w="med" len="med"/>
@@ -6107,588 +6061,23 @@
       </p:cxnSp>
       <p:cxnSp>
         <p:nvCxnSpPr>
-          <p:cNvPr id="279" name="Straight Arrow Connector 278"/>
+          <p:cNvPr id="130" name="Straight Arrow Connector 129"/>
           <p:cNvCxnSpPr/>
           <p:nvPr/>
         </p:nvCxnSpPr>
         <p:spPr>
           <a:xfrm>
-            <a:off x="4194969" y="6546096"/>
-            <a:ext cx="4120803" cy="0"/>
+            <a:off x="4873311" y="7604492"/>
+            <a:ext cx="3947744" cy="0"/>
           </a:xfrm>
           <a:prstGeom prst="straightConnector1">
             <a:avLst/>
           </a:prstGeom>
           <a:ln w="38100">
             <a:solidFill>
-              <a:schemeClr val="tx2"/>
-            </a:solidFill>
-            <a:prstDash val="solid"/>
-            <a:tailEnd type="arrow"/>
-          </a:ln>
-        </p:spPr>
-        <p:style>
-          <a:lnRef idx="1">
-            <a:schemeClr val="accent1"/>
-          </a:lnRef>
-          <a:fillRef idx="0">
-            <a:schemeClr val="accent1"/>
-          </a:fillRef>
-          <a:effectRef idx="0">
-            <a:schemeClr val="accent1"/>
-          </a:effectRef>
-          <a:fontRef idx="minor">
-            <a:schemeClr val="tx1"/>
-          </a:fontRef>
-        </p:style>
-      </p:cxnSp>
-      <p:sp>
-        <p:nvSpPr>
-          <p:cNvPr id="280" name="TextBox 279"/>
-          <p:cNvSpPr txBox="1"/>
-          <p:nvPr/>
-        </p:nvSpPr>
-        <p:spPr>
-          <a:xfrm>
-            <a:off x="4555155" y="6251935"/>
-            <a:ext cx="1135356" cy="338554"/>
-          </a:xfrm>
-          <a:prstGeom prst="rect">
-            <a:avLst/>
-          </a:prstGeom>
-          <a:noFill/>
-        </p:spPr>
-        <p:txBody>
-          <a:bodyPr wrap="square" rtlCol="0">
-            <a:spAutoFit/>
-          </a:bodyPr>
-          <a:lstStyle/>
-          <a:p>
-            <a:r>
-              <a:rPr lang="en-US" sz="1600" b="1" dirty="0" smtClean="0">
-                <a:solidFill>
-                  <a:srgbClr val="0070C0"/>
-                </a:solidFill>
-              </a:rPr>
-              <a:t>send()</a:t>
-            </a:r>
-            <a:endParaRPr lang="en-SG" sz="1600" b="1" dirty="0">
-              <a:solidFill>
-                <a:srgbClr val="0070C0"/>
-              </a:solidFill>
-            </a:endParaRPr>
-          </a:p>
-        </p:txBody>
-      </p:sp>
-      <p:sp>
-        <p:nvSpPr>
-          <p:cNvPr id="266" name="Rectangle 265"/>
-          <p:cNvSpPr/>
-          <p:nvPr/>
-        </p:nvSpPr>
-        <p:spPr>
-          <a:xfrm>
-            <a:off x="10582570" y="4988700"/>
-            <a:ext cx="142836" cy="169881"/>
-          </a:xfrm>
-          <a:prstGeom prst="rect">
-            <a:avLst/>
-          </a:prstGeom>
-          <a:ln/>
-        </p:spPr>
-        <p:style>
-          <a:lnRef idx="2">
-            <a:schemeClr val="accent4">
-              <a:shade val="50000"/>
-            </a:schemeClr>
-          </a:lnRef>
-          <a:fillRef idx="1">
-            <a:schemeClr val="accent4"/>
-          </a:fillRef>
-          <a:effectRef idx="0">
-            <a:schemeClr val="accent4"/>
-          </a:effectRef>
-          <a:fontRef idx="minor">
-            <a:schemeClr val="lt1"/>
-          </a:fontRef>
-        </p:style>
-        <p:txBody>
-          <a:bodyPr rtlCol="0" anchor="ctr"/>
-          <a:lstStyle/>
-          <a:p>
-            <a:pPr algn="ctr"/>
-            <a:endParaRPr lang="en-SG"/>
-          </a:p>
-        </p:txBody>
-      </p:sp>
-      <p:sp>
-        <p:nvSpPr>
-          <p:cNvPr id="248" name="Rectangle 247"/>
-          <p:cNvSpPr/>
-          <p:nvPr/>
-        </p:nvSpPr>
-        <p:spPr>
-          <a:xfrm>
-            <a:off x="4112178" y="1873108"/>
-            <a:ext cx="141895" cy="5044229"/>
-          </a:xfrm>
-          <a:prstGeom prst="rect">
-            <a:avLst/>
-          </a:prstGeom>
-          <a:solidFill>
-            <a:schemeClr val="tx2">
-              <a:lumMod val="40000"/>
-              <a:lumOff val="60000"/>
-            </a:schemeClr>
-          </a:solidFill>
-          <a:ln>
-            <a:solidFill>
-              <a:srgbClr val="0070C0"/>
-            </a:solidFill>
-          </a:ln>
-        </p:spPr>
-        <p:style>
-          <a:lnRef idx="2">
-            <a:schemeClr val="accent6"/>
-          </a:lnRef>
-          <a:fillRef idx="1">
-            <a:schemeClr val="lt1"/>
-          </a:fillRef>
-          <a:effectRef idx="0">
-            <a:schemeClr val="accent6"/>
-          </a:effectRef>
-          <a:fontRef idx="minor">
-            <a:schemeClr val="dk1"/>
-          </a:fontRef>
-        </p:style>
-        <p:txBody>
-          <a:bodyPr rtlCol="0" anchor="ctr"/>
-          <a:lstStyle/>
-          <a:p>
-            <a:pPr algn="ctr"/>
-            <a:endParaRPr lang="en-SG"/>
-          </a:p>
-        </p:txBody>
-      </p:sp>
-      <p:cxnSp>
-        <p:nvCxnSpPr>
-          <p:cNvPr id="284" name="Straight Arrow Connector 283"/>
-          <p:cNvCxnSpPr/>
-          <p:nvPr/>
-        </p:nvCxnSpPr>
-        <p:spPr>
-          <a:xfrm>
-            <a:off x="4259796" y="6880204"/>
-            <a:ext cx="4149751" cy="0"/>
-          </a:xfrm>
-          <a:prstGeom prst="straightConnector1">
-            <a:avLst/>
-          </a:prstGeom>
-          <a:ln w="38100">
-            <a:solidFill>
-              <a:srgbClr val="00B050"/>
-            </a:solidFill>
-            <a:prstDash val="sysDot"/>
-            <a:headEnd type="arrow" w="med" len="med"/>
-            <a:tailEnd type="none" w="med" len="med"/>
-          </a:ln>
-        </p:spPr>
-        <p:style>
-          <a:lnRef idx="1">
-            <a:schemeClr val="accent1"/>
-          </a:lnRef>
-          <a:fillRef idx="0">
-            <a:schemeClr val="accent1"/>
-          </a:fillRef>
-          <a:effectRef idx="0">
-            <a:schemeClr val="accent1"/>
-          </a:effectRef>
-          <a:fontRef idx="minor">
-            <a:schemeClr val="tx1"/>
-          </a:fontRef>
-        </p:style>
-      </p:cxnSp>
-      <p:sp>
-        <p:nvSpPr>
-          <p:cNvPr id="296" name="TextBox 295"/>
-          <p:cNvSpPr txBox="1"/>
-          <p:nvPr/>
-        </p:nvSpPr>
-        <p:spPr>
-          <a:xfrm>
-            <a:off x="5500049" y="1893597"/>
-            <a:ext cx="777829" cy="338554"/>
-          </a:xfrm>
-          <a:prstGeom prst="rect">
-            <a:avLst/>
-          </a:prstGeom>
-          <a:noFill/>
-        </p:spPr>
-        <p:txBody>
-          <a:bodyPr wrap="square" rtlCol="0">
-            <a:spAutoFit/>
-          </a:bodyPr>
-          <a:lstStyle>
-            <a:defPPr>
-              <a:defRPr lang="en-US"/>
-            </a:defPPr>
-            <a:lvl1pPr>
-              <a:defRPr sz="1600" b="1">
-                <a:solidFill>
-                  <a:schemeClr val="accent2">
-                    <a:lumMod val="75000"/>
-                  </a:schemeClr>
-                </a:solidFill>
-              </a:defRPr>
-            </a:lvl1pPr>
-          </a:lstStyle>
-          <a:p>
-            <a:r>
-              <a:rPr lang="en-US" dirty="0" smtClean="0"/>
-              <a:t>create</a:t>
-            </a:r>
-            <a:endParaRPr lang="en-SG" dirty="0"/>
-          </a:p>
-        </p:txBody>
-      </p:sp>
-      <p:sp>
-        <p:nvSpPr>
-          <p:cNvPr id="297" name="TextBox 296"/>
-          <p:cNvSpPr txBox="1"/>
-          <p:nvPr/>
-        </p:nvSpPr>
-        <p:spPr>
-          <a:xfrm>
-            <a:off x="7128879" y="3921868"/>
-            <a:ext cx="777829" cy="338554"/>
-          </a:xfrm>
-          <a:prstGeom prst="rect">
-            <a:avLst/>
-          </a:prstGeom>
-          <a:noFill/>
-        </p:spPr>
-        <p:txBody>
-          <a:bodyPr wrap="square" rtlCol="0">
-            <a:spAutoFit/>
-          </a:bodyPr>
-          <a:lstStyle>
-            <a:defPPr>
-              <a:defRPr lang="en-US"/>
-            </a:defPPr>
-            <a:lvl1pPr>
-              <a:defRPr sz="1600" b="1">
-                <a:solidFill>
-                  <a:schemeClr val="accent2">
-                    <a:lumMod val="75000"/>
-                  </a:schemeClr>
-                </a:solidFill>
-              </a:defRPr>
-            </a:lvl1pPr>
-          </a:lstStyle>
-          <a:p>
-            <a:r>
-              <a:rPr lang="en-US" dirty="0" smtClean="0"/>
-              <a:t>create</a:t>
-            </a:r>
-            <a:endParaRPr lang="en-SG" dirty="0"/>
-          </a:p>
-        </p:txBody>
-      </p:sp>
-      <p:sp>
-        <p:nvSpPr>
-          <p:cNvPr id="298" name="TextBox 297"/>
-          <p:cNvSpPr txBox="1"/>
-          <p:nvPr/>
-        </p:nvSpPr>
-        <p:spPr>
-          <a:xfrm>
-            <a:off x="6801139" y="5523040"/>
-            <a:ext cx="777829" cy="338554"/>
-          </a:xfrm>
-          <a:prstGeom prst="rect">
-            <a:avLst/>
-          </a:prstGeom>
-          <a:noFill/>
-        </p:spPr>
-        <p:txBody>
-          <a:bodyPr wrap="square" rtlCol="0">
-            <a:spAutoFit/>
-          </a:bodyPr>
-          <a:lstStyle>
-            <a:defPPr>
-              <a:defRPr lang="en-US"/>
-            </a:defPPr>
-            <a:lvl1pPr>
-              <a:defRPr sz="1600" b="1">
-                <a:solidFill>
-                  <a:schemeClr val="accent2">
-                    <a:lumMod val="75000"/>
-                  </a:schemeClr>
-                </a:solidFill>
-              </a:defRPr>
-            </a:lvl1pPr>
-          </a:lstStyle>
-          <a:p>
-            <a:r>
-              <a:rPr lang="en-US" dirty="0" smtClean="0"/>
-              <a:t>create</a:t>
-            </a:r>
-            <a:endParaRPr lang="en-SG" dirty="0"/>
-          </a:p>
-        </p:txBody>
-      </p:sp>
-      <p:cxnSp>
-        <p:nvCxnSpPr>
-          <p:cNvPr id="301" name="Straight Arrow Connector 300"/>
-          <p:cNvCxnSpPr/>
-          <p:nvPr/>
-        </p:nvCxnSpPr>
-        <p:spPr>
-          <a:xfrm>
-            <a:off x="6734079" y="5981485"/>
-            <a:ext cx="1602473" cy="0"/>
-          </a:xfrm>
-          <a:prstGeom prst="straightConnector1">
-            <a:avLst/>
-          </a:prstGeom>
-          <a:ln w="38100">
-            <a:solidFill>
-              <a:srgbClr val="00B050"/>
-            </a:solidFill>
-            <a:prstDash val="sysDot"/>
-            <a:headEnd type="arrow" w="med" len="med"/>
-            <a:tailEnd type="none" w="med" len="med"/>
-          </a:ln>
-        </p:spPr>
-        <p:style>
-          <a:lnRef idx="1">
-            <a:schemeClr val="accent1"/>
-          </a:lnRef>
-          <a:fillRef idx="0">
-            <a:schemeClr val="accent1"/>
-          </a:fillRef>
-          <a:effectRef idx="0">
-            <a:schemeClr val="accent1"/>
-          </a:effectRef>
-          <a:fontRef idx="minor">
-            <a:schemeClr val="tx1"/>
-          </a:fontRef>
-        </p:style>
-      </p:cxnSp>
-      <p:sp>
-        <p:nvSpPr>
-          <p:cNvPr id="275" name="Rectangle 274"/>
-          <p:cNvSpPr/>
-          <p:nvPr/>
-        </p:nvSpPr>
-        <p:spPr>
-          <a:xfrm>
-            <a:off x="8341394" y="6524991"/>
-            <a:ext cx="136306" cy="355213"/>
-          </a:xfrm>
-          <a:prstGeom prst="rect">
-            <a:avLst/>
-          </a:prstGeom>
-          <a:solidFill>
-            <a:schemeClr val="accent3">
-              <a:lumMod val="40000"/>
-              <a:lumOff val="60000"/>
-            </a:schemeClr>
-          </a:solidFill>
-          <a:ln>
-            <a:solidFill>
-              <a:srgbClr val="00B050"/>
-            </a:solidFill>
-          </a:ln>
-        </p:spPr>
-        <p:style>
-          <a:lnRef idx="2">
-            <a:schemeClr val="accent6"/>
-          </a:lnRef>
-          <a:fillRef idx="1">
-            <a:schemeClr val="lt1"/>
-          </a:fillRef>
-          <a:effectRef idx="0">
-            <a:schemeClr val="accent6"/>
-          </a:effectRef>
-          <a:fontRef idx="minor">
-            <a:schemeClr val="dk1"/>
-          </a:fontRef>
-        </p:style>
-        <p:txBody>
-          <a:bodyPr rtlCol="0" anchor="ctr"/>
-          <a:lstStyle/>
-          <a:p>
-            <a:pPr algn="ctr"/>
-            <a:endParaRPr lang="en-SG"/>
-          </a:p>
-        </p:txBody>
-      </p:sp>
-      <p:cxnSp>
-        <p:nvCxnSpPr>
-          <p:cNvPr id="308" name="Straight Arrow Connector 307"/>
-          <p:cNvCxnSpPr/>
-          <p:nvPr/>
-        </p:nvCxnSpPr>
-        <p:spPr>
-          <a:xfrm>
-            <a:off x="2107361" y="6917337"/>
-            <a:ext cx="1961012" cy="0"/>
-          </a:xfrm>
-          <a:prstGeom prst="straightConnector1">
-            <a:avLst/>
-          </a:prstGeom>
-          <a:ln w="38100">
-            <a:solidFill>
-              <a:schemeClr val="bg1">
+              <a:schemeClr val="accent3">
                 <a:lumMod val="50000"/>
               </a:schemeClr>
-            </a:solidFill>
-            <a:prstDash val="sysDot"/>
-            <a:headEnd type="arrow" w="med" len="med"/>
-            <a:tailEnd type="none" w="med" len="med"/>
-          </a:ln>
-        </p:spPr>
-        <p:style>
-          <a:lnRef idx="1">
-            <a:schemeClr val="accent1"/>
-          </a:lnRef>
-          <a:fillRef idx="0">
-            <a:schemeClr val="accent1"/>
-          </a:fillRef>
-          <a:effectRef idx="0">
-            <a:schemeClr val="accent1"/>
-          </a:effectRef>
-          <a:fontRef idx="minor">
-            <a:schemeClr val="tx1"/>
-          </a:fontRef>
-        </p:style>
-      </p:cxnSp>
-      <p:sp>
-        <p:nvSpPr>
-          <p:cNvPr id="202" name="Rectangle 201"/>
-          <p:cNvSpPr/>
-          <p:nvPr/>
-        </p:nvSpPr>
-        <p:spPr>
-          <a:xfrm>
-            <a:off x="7776369" y="5344720"/>
-            <a:ext cx="1295250" cy="494528"/>
-          </a:xfrm>
-          <a:prstGeom prst="rect">
-            <a:avLst/>
-          </a:prstGeom>
-          <a:solidFill>
-            <a:srgbClr val="92D050"/>
-          </a:solidFill>
-          <a:ln>
-            <a:solidFill>
-              <a:srgbClr val="00B050"/>
-            </a:solidFill>
-          </a:ln>
-        </p:spPr>
-        <p:style>
-          <a:lnRef idx="2">
-            <a:schemeClr val="accent5">
-              <a:shade val="50000"/>
-            </a:schemeClr>
-          </a:lnRef>
-          <a:fillRef idx="1">
-            <a:schemeClr val="accent5"/>
-          </a:fillRef>
-          <a:effectRef idx="0">
-            <a:schemeClr val="accent5"/>
-          </a:effectRef>
-          <a:fontRef idx="minor">
-            <a:schemeClr val="lt1"/>
-          </a:fontRef>
-        </p:style>
-        <p:txBody>
-          <a:bodyPr rtlCol="0" anchor="ctr"/>
-          <a:lstStyle/>
-          <a:p>
-            <a:pPr algn="ctr"/>
-            <a:r>
-              <a:rPr lang="en-US" sz="1400" b="1" dirty="0" smtClean="0"/>
-              <a:t>:</a:t>
-            </a:r>
-            <a:r>
-              <a:rPr lang="en-US" sz="1400" b="1" dirty="0" err="1" smtClean="0"/>
-              <a:t>ShowPage</a:t>
-            </a:r>
-            <a:r>
-              <a:rPr lang="en-US" sz="1400" b="1" dirty="0" smtClean="0"/>
-              <a:t/>
-            </a:r>
-            <a:br>
-              <a:rPr lang="en-US" sz="1400" b="1" dirty="0" smtClean="0"/>
-            </a:br>
-            <a:r>
-              <a:rPr lang="en-US" sz="1400" b="1" dirty="0" smtClean="0"/>
-              <a:t>Result</a:t>
-            </a:r>
-            <a:endParaRPr lang="en-SG" sz="1400" b="1" dirty="0"/>
-          </a:p>
-        </p:txBody>
-      </p:sp>
-      <p:sp>
-        <p:nvSpPr>
-          <p:cNvPr id="312" name="Rectangle 311"/>
-          <p:cNvSpPr/>
-          <p:nvPr/>
-        </p:nvSpPr>
-        <p:spPr>
-          <a:xfrm>
-            <a:off x="10610621" y="4450092"/>
-            <a:ext cx="142836" cy="169881"/>
-          </a:xfrm>
-          <a:prstGeom prst="rect">
-            <a:avLst/>
-          </a:prstGeom>
-          <a:ln/>
-        </p:spPr>
-        <p:style>
-          <a:lnRef idx="2">
-            <a:schemeClr val="accent4">
-              <a:shade val="50000"/>
-            </a:schemeClr>
-          </a:lnRef>
-          <a:fillRef idx="1">
-            <a:schemeClr val="accent4"/>
-          </a:fillRef>
-          <a:effectRef idx="0">
-            <a:schemeClr val="accent4"/>
-          </a:effectRef>
-          <a:fontRef idx="minor">
-            <a:schemeClr val="lt1"/>
-          </a:fontRef>
-        </p:style>
-        <p:txBody>
-          <a:bodyPr rtlCol="0" anchor="ctr"/>
-          <a:lstStyle/>
-          <a:p>
-            <a:pPr algn="ctr"/>
-            <a:endParaRPr lang="en-SG"/>
-          </a:p>
-        </p:txBody>
-      </p:sp>
-      <p:cxnSp>
-        <p:nvCxnSpPr>
-          <p:cNvPr id="313" name="Straight Arrow Connector 312"/>
-          <p:cNvCxnSpPr/>
-          <p:nvPr/>
-        </p:nvCxnSpPr>
-        <p:spPr>
-          <a:xfrm>
-            <a:off x="6708825" y="4619973"/>
-            <a:ext cx="3896954" cy="0"/>
-          </a:xfrm>
-          <a:prstGeom prst="straightConnector1">
-            <a:avLst/>
-          </a:prstGeom>
-          <a:ln w="38100">
-            <a:solidFill>
-              <a:srgbClr val="7030A0"/>
             </a:solidFill>
             <a:prstDash val="sysDot"/>
             <a:headEnd type="arrow" w="med" len="med"/>
